--- a/ZeroDayAttack.pptx
+++ b/ZeroDayAttack.pptx
@@ -10873,7 +10873,22 @@
           <a:bodyPr/>
           <a:lstStyle/>
           <a:p>
-            <a:endParaRPr lang="en-US" dirty="0"/>
+            <a:r>
+              <a:rPr lang="en-US" dirty="0"/>
+              <a:t>I am not covering this well enough.</a:t>
+            </a:r>
+          </a:p>
+          <a:p>
+            <a:r>
+              <a:rPr lang="en-US" dirty="0"/>
+              <a:t>1 – Security in the Pipeline is Step 1</a:t>
+            </a:r>
+          </a:p>
+          <a:p>
+            <a:r>
+              <a:rPr lang="en-US" dirty="0"/>
+              <a:t>2 – There are other areas that need to be addressed to have adequate security</a:t>
+            </a:r>
           </a:p>
         </p:txBody>
       </p:sp>
@@ -10892,9 +10907,9 @@
           <a:bodyPr/>
           <a:lstStyle/>
           <a:p>
-            <a:fld id="{06268FD1-8F05-4A47-ACB6-864BEBDC9B7E}" type="slidenum">
+            <a:fld id="{E4458E03-19E1-9046-80D8-7C2702296107}" type="slidenum">
               <a:rPr lang="en-US" smtClean="0"/>
-              <a:t>36</a:t>
+              <a:t>35</a:t>
             </a:fld>
             <a:endParaRPr lang="en-US"/>
           </a:p>
@@ -10903,7 +10918,7 @@
     </p:spTree>
     <p:extLst>
       <p:ext uri="{BB962C8B-B14F-4D97-AF65-F5344CB8AC3E}">
-        <p14:creationId xmlns:p14="http://schemas.microsoft.com/office/powerpoint/2010/main" val="458605662"/>
+        <p14:creationId xmlns:p14="http://schemas.microsoft.com/office/powerpoint/2010/main" val="404419268"/>
       </p:ext>
     </p:extLst>
   </p:cSld>
@@ -10978,6 +10993,177 @@
           <a:p>
             <a:fld id="{06268FD1-8F05-4A47-ACB6-864BEBDC9B7E}" type="slidenum">
               <a:rPr lang="en-US" smtClean="0"/>
+              <a:t>36</a:t>
+            </a:fld>
+            <a:endParaRPr lang="en-US"/>
+          </a:p>
+        </p:txBody>
+      </p:sp>
+    </p:spTree>
+    <p:extLst>
+      <p:ext uri="{BB962C8B-B14F-4D97-AF65-F5344CB8AC3E}">
+        <p14:creationId xmlns:p14="http://schemas.microsoft.com/office/powerpoint/2010/main" val="458605662"/>
+      </p:ext>
+    </p:extLst>
+  </p:cSld>
+  <p:clrMapOvr>
+    <a:masterClrMapping/>
+  </p:clrMapOvr>
+</p:notes>
+</file>
+
+<file path=ppt/notesSlides/notesSlide23.xml><?xml version="1.0" encoding="utf-8"?>
+<p:notes xmlns:a="http://schemas.openxmlformats.org/drawingml/2006/main" xmlns:r="http://schemas.openxmlformats.org/officeDocument/2006/relationships" xmlns:p="http://schemas.openxmlformats.org/presentationml/2006/main">
+  <p:cSld>
+    <p:spTree>
+      <p:nvGrpSpPr>
+        <p:cNvPr id="1" name=""/>
+        <p:cNvGrpSpPr/>
+        <p:nvPr/>
+      </p:nvGrpSpPr>
+      <p:grpSpPr>
+        <a:xfrm>
+          <a:off x="0" y="0"/>
+          <a:ext cx="0" cy="0"/>
+          <a:chOff x="0" y="0"/>
+          <a:chExt cx="0" cy="0"/>
+        </a:xfrm>
+      </p:grpSpPr>
+      <p:sp>
+        <p:nvSpPr>
+          <p:cNvPr id="2" name="Slide Image Placeholder 1"/>
+          <p:cNvSpPr>
+            <a:spLocks noGrp="1" noRot="1" noChangeAspect="1"/>
+          </p:cNvSpPr>
+          <p:nvPr>
+            <p:ph type="sldImg"/>
+          </p:nvPr>
+        </p:nvSpPr>
+        <p:spPr/>
+      </p:sp>
+      <p:sp>
+        <p:nvSpPr>
+          <p:cNvPr id="3" name="Notes Placeholder 2"/>
+          <p:cNvSpPr>
+            <a:spLocks noGrp="1"/>
+          </p:cNvSpPr>
+          <p:nvPr>
+            <p:ph type="body" idx="1"/>
+          </p:nvPr>
+        </p:nvSpPr>
+        <p:spPr/>
+        <p:txBody>
+          <a:bodyPr/>
+          <a:lstStyle/>
+          <a:p>
+            <a:r>
+              <a:rPr lang="en-US" dirty="0"/>
+              <a:t>There is more work to do with Network Security</a:t>
+            </a:r>
+          </a:p>
+        </p:txBody>
+      </p:sp>
+      <p:sp>
+        <p:nvSpPr>
+          <p:cNvPr id="4" name="Slide Number Placeholder 3"/>
+          <p:cNvSpPr>
+            <a:spLocks noGrp="1"/>
+          </p:cNvSpPr>
+          <p:nvPr>
+            <p:ph type="sldNum" sz="quarter" idx="5"/>
+          </p:nvPr>
+        </p:nvSpPr>
+        <p:spPr/>
+        <p:txBody>
+          <a:bodyPr/>
+          <a:lstStyle/>
+          <a:p>
+            <a:fld id="{E4458E03-19E1-9046-80D8-7C2702296107}" type="slidenum">
+              <a:rPr lang="en-US" smtClean="0"/>
+              <a:t>37</a:t>
+            </a:fld>
+            <a:endParaRPr lang="en-US"/>
+          </a:p>
+        </p:txBody>
+      </p:sp>
+    </p:spTree>
+    <p:extLst>
+      <p:ext uri="{BB962C8B-B14F-4D97-AF65-F5344CB8AC3E}">
+        <p14:creationId xmlns:p14="http://schemas.microsoft.com/office/powerpoint/2010/main" val="290223140"/>
+      </p:ext>
+    </p:extLst>
+  </p:cSld>
+  <p:clrMapOvr>
+    <a:masterClrMapping/>
+  </p:clrMapOvr>
+</p:notes>
+</file>
+
+<file path=ppt/notesSlides/notesSlide24.xml><?xml version="1.0" encoding="utf-8"?>
+<p:notes xmlns:a="http://schemas.openxmlformats.org/drawingml/2006/main" xmlns:r="http://schemas.openxmlformats.org/officeDocument/2006/relationships" xmlns:p="http://schemas.openxmlformats.org/presentationml/2006/main">
+  <p:cSld>
+    <p:spTree>
+      <p:nvGrpSpPr>
+        <p:cNvPr id="1" name=""/>
+        <p:cNvGrpSpPr/>
+        <p:nvPr/>
+      </p:nvGrpSpPr>
+      <p:grpSpPr>
+        <a:xfrm>
+          <a:off x="0" y="0"/>
+          <a:ext cx="0" cy="0"/>
+          <a:chOff x="0" y="0"/>
+          <a:chExt cx="0" cy="0"/>
+        </a:xfrm>
+      </p:grpSpPr>
+      <p:sp>
+        <p:nvSpPr>
+          <p:cNvPr id="2" name="Slide Image Placeholder 1"/>
+          <p:cNvSpPr>
+            <a:spLocks noGrp="1" noRot="1" noChangeAspect="1"/>
+          </p:cNvSpPr>
+          <p:nvPr>
+            <p:ph type="sldImg"/>
+          </p:nvPr>
+        </p:nvSpPr>
+        <p:spPr/>
+      </p:sp>
+      <p:sp>
+        <p:nvSpPr>
+          <p:cNvPr id="3" name="Notes Placeholder 2"/>
+          <p:cNvSpPr>
+            <a:spLocks noGrp="1"/>
+          </p:cNvSpPr>
+          <p:nvPr>
+            <p:ph type="body" idx="1"/>
+          </p:nvPr>
+        </p:nvSpPr>
+        <p:spPr/>
+        <p:txBody>
+          <a:bodyPr/>
+          <a:lstStyle/>
+          <a:p>
+            <a:endParaRPr lang="en-US" dirty="0"/>
+          </a:p>
+        </p:txBody>
+      </p:sp>
+      <p:sp>
+        <p:nvSpPr>
+          <p:cNvPr id="4" name="Slide Number Placeholder 3"/>
+          <p:cNvSpPr>
+            <a:spLocks noGrp="1"/>
+          </p:cNvSpPr>
+          <p:nvPr>
+            <p:ph type="sldNum" sz="quarter" idx="5"/>
+          </p:nvPr>
+        </p:nvSpPr>
+        <p:spPr/>
+        <p:txBody>
+          <a:bodyPr/>
+          <a:lstStyle/>
+          <a:p>
+            <a:fld id="{06268FD1-8F05-4A47-ACB6-864BEBDC9B7E}" type="slidenum">
+              <a:rPr lang="en-US" smtClean="0"/>
               <a:t>38</a:t>
             </a:fld>
             <a:endParaRPr lang="en-US"/>
@@ -10997,7 +11183,7 @@
 </p:notes>
 </file>
 
-<file path=ppt/notesSlides/notesSlide23.xml><?xml version="1.0" encoding="utf-8"?>
+<file path=ppt/notesSlides/notesSlide25.xml><?xml version="1.0" encoding="utf-8"?>
 <p:notes xmlns:a="http://schemas.openxmlformats.org/drawingml/2006/main" xmlns:r="http://schemas.openxmlformats.org/officeDocument/2006/relationships" xmlns:p="http://schemas.openxmlformats.org/presentationml/2006/main">
   <p:cSld>
     <p:spTree>
@@ -12163,7 +12349,7 @@
           <a:graphicData uri="http://schemas.openxmlformats.org/presentationml/2006/ole">
             <mc:AlternateContent xmlns:mc="http://schemas.openxmlformats.org/markup-compatibility/2006">
               <mc:Choice xmlns:v="urn:schemas-microsoft-com:vml" Requires="v">
-                <p:oleObj spid="_x0000_s4258" name="think-cell Slide" r:id="rId4" imgW="408" imgH="408" progId="TCLayout.ActiveDocument.1">
+                <p:oleObj spid="_x0000_s4263" name="think-cell Slide" r:id="rId4" imgW="408" imgH="408" progId="TCLayout.ActiveDocument.1">
                   <p:embed/>
                 </p:oleObj>
               </mc:Choice>
@@ -12742,7 +12928,7 @@
           <a:graphicData uri="http://schemas.openxmlformats.org/presentationml/2006/ole">
             <mc:AlternateContent xmlns:mc="http://schemas.openxmlformats.org/markup-compatibility/2006">
               <mc:Choice xmlns:v="urn:schemas-microsoft-com:vml" Requires="v">
-                <p:oleObj spid="_x0000_s5283" name="think-cell Slide" r:id="rId4" imgW="408" imgH="408" progId="TCLayout.ActiveDocument.1">
+                <p:oleObj spid="_x0000_s5288" name="think-cell Slide" r:id="rId4" imgW="408" imgH="408" progId="TCLayout.ActiveDocument.1">
                   <p:embed/>
                 </p:oleObj>
               </mc:Choice>
@@ -13040,7 +13226,7 @@
           <a:graphicData uri="http://schemas.openxmlformats.org/presentationml/2006/ole">
             <mc:AlternateContent xmlns:mc="http://schemas.openxmlformats.org/markup-compatibility/2006">
               <mc:Choice xmlns:v="urn:schemas-microsoft-com:vml" Requires="v">
-                <p:oleObj spid="_x0000_s6308" name="think-cell Slide" r:id="rId4" imgW="408" imgH="408" progId="TCLayout.ActiveDocument.1">
+                <p:oleObj spid="_x0000_s6313" name="think-cell Slide" r:id="rId4" imgW="408" imgH="408" progId="TCLayout.ActiveDocument.1">
                   <p:embed/>
                 </p:oleObj>
               </mc:Choice>
@@ -13382,7 +13568,7 @@
           <a:graphicData uri="http://schemas.openxmlformats.org/presentationml/2006/ole">
             <mc:AlternateContent xmlns:mc="http://schemas.openxmlformats.org/markup-compatibility/2006">
               <mc:Choice xmlns:v="urn:schemas-microsoft-com:vml" Requires="v">
-                <p:oleObj spid="_x0000_s7330" name="think-cell Slide" r:id="rId4" imgW="408" imgH="408" progId="TCLayout.ActiveDocument.1">
+                <p:oleObj spid="_x0000_s7335" name="think-cell Slide" r:id="rId4" imgW="408" imgH="408" progId="TCLayout.ActiveDocument.1">
                   <p:embed/>
                 </p:oleObj>
               </mc:Choice>
@@ -13835,7 +14021,7 @@
           <a:graphicData uri="http://schemas.openxmlformats.org/presentationml/2006/ole">
             <mc:AlternateContent xmlns:mc="http://schemas.openxmlformats.org/markup-compatibility/2006">
               <mc:Choice xmlns:v="urn:schemas-microsoft-com:vml" Requires="v">
-                <p:oleObj spid="_x0000_s8354" name="think-cell Slide" r:id="rId4" imgW="408" imgH="408" progId="TCLayout.ActiveDocument.1">
+                <p:oleObj spid="_x0000_s8359" name="think-cell Slide" r:id="rId4" imgW="408" imgH="408" progId="TCLayout.ActiveDocument.1">
                   <p:embed/>
                 </p:oleObj>
               </mc:Choice>
@@ -23169,7 +23355,7 @@
           <a:graphicData uri="http://schemas.openxmlformats.org/presentationml/2006/ole">
             <mc:AlternateContent xmlns:mc="http://schemas.openxmlformats.org/markup-compatibility/2006">
               <mc:Choice xmlns:v="urn:schemas-microsoft-com:vml" Requires="v">
-                <p:oleObj spid="_x0000_s11424" name="think-cell Slide" r:id="rId4" imgW="408" imgH="408" progId="TCLayout.ActiveDocument.1">
+                <p:oleObj spid="_x0000_s11429" name="think-cell Slide" r:id="rId4" imgW="408" imgH="408" progId="TCLayout.ActiveDocument.1">
                   <p:embed/>
                 </p:oleObj>
               </mc:Choice>
@@ -29482,7 +29668,7 @@
           <a:graphicData uri="http://schemas.openxmlformats.org/presentationml/2006/ole">
             <mc:AlternateContent xmlns:mc="http://schemas.openxmlformats.org/markup-compatibility/2006">
               <mc:Choice xmlns:v="urn:schemas-microsoft-com:vml" Requires="v">
-                <p:oleObj spid="_x0000_s12412" name="think-cell Slide" r:id="rId4" imgW="408" imgH="408" progId="TCLayout.ActiveDocument.1">
+                <p:oleObj spid="_x0000_s12417" name="think-cell Slide" r:id="rId4" imgW="408" imgH="408" progId="TCLayout.ActiveDocument.1">
                   <p:embed/>
                 </p:oleObj>
               </mc:Choice>
@@ -30799,7 +30985,7 @@
           <a:graphicData uri="http://schemas.openxmlformats.org/presentationml/2006/ole">
             <mc:AlternateContent xmlns:mc="http://schemas.openxmlformats.org/markup-compatibility/2006">
               <mc:Choice xmlns:v="urn:schemas-microsoft-com:vml" Requires="v">
-                <p:oleObj spid="_x0000_s2211" name="think-cell Slide" r:id="rId4" imgW="408" imgH="408" progId="TCLayout.ActiveDocument.1">
+                <p:oleObj spid="_x0000_s2216" name="think-cell Slide" r:id="rId4" imgW="408" imgH="408" progId="TCLayout.ActiveDocument.1">
                   <p:embed/>
                 </p:oleObj>
               </mc:Choice>
@@ -31504,7 +31690,7 @@
           <a:graphicData uri="http://schemas.openxmlformats.org/presentationml/2006/ole">
             <mc:AlternateContent xmlns:mc="http://schemas.openxmlformats.org/markup-compatibility/2006">
               <mc:Choice xmlns:v="urn:schemas-microsoft-com:vml" Requires="v">
-                <p:oleObj spid="_x0000_s3235" name="think-cell Slide" r:id="rId4" imgW="408" imgH="408" progId="TCLayout.ActiveDocument.1">
+                <p:oleObj spid="_x0000_s3240" name="think-cell Slide" r:id="rId4" imgW="408" imgH="408" progId="TCLayout.ActiveDocument.1">
                   <p:embed/>
                 </p:oleObj>
               </mc:Choice>
@@ -31878,7 +32064,7 @@
           <a:graphicData uri="http://schemas.openxmlformats.org/presentationml/2006/ole">
             <mc:AlternateContent xmlns:mc="http://schemas.openxmlformats.org/markup-compatibility/2006">
               <mc:Choice xmlns:v="urn:schemas-microsoft-com:vml" Requires="v">
-                <p:oleObj spid="_x0000_s1192" name="think-cell Slide" r:id="rId51" imgW="408" imgH="408" progId="TCLayout.ActiveDocument.1">
+                <p:oleObj spid="_x0000_s1197" name="think-cell Slide" r:id="rId51" imgW="408" imgH="408" progId="TCLayout.ActiveDocument.1">
                   <p:embed/>
                 </p:oleObj>
               </mc:Choice>
@@ -32555,32 +32741,114 @@
           </a:p>
         </p:txBody>
       </p:sp>
-      <p:sp>
-        <p:nvSpPr>
-          <p:cNvPr id="13" name="Picture Placeholder 12">
+      <p:pic>
+        <p:nvPicPr>
+          <p:cNvPr id="23" name="Picture 22">
             <a:extLst>
               <a:ext uri="{FF2B5EF4-FFF2-40B4-BE49-F238E27FC236}">
-                <a16:creationId xmlns:a16="http://schemas.microsoft.com/office/drawing/2014/main" id="{9E30F1D0-E7AF-2745-B2E3-FA910EF68E28}"/>
+                <a16:creationId xmlns:a16="http://schemas.microsoft.com/office/drawing/2014/main" id="{609A0827-2FAB-EF42-99B5-0084794DBED4}"/>
               </a:ext>
             </a:extLst>
           </p:cNvPr>
-          <p:cNvSpPr>
-            <a:spLocks noGrp="1"/>
-          </p:cNvSpPr>
-          <p:nvPr>
-            <p:ph type="pic" sz="quarter" idx="12"/>
-          </p:nvPr>
-        </p:nvSpPr>
+          <p:cNvPicPr>
+            <a:picLocks noChangeAspect="1"/>
+          </p:cNvPicPr>
+          <p:nvPr/>
+        </p:nvPicPr>
+        <p:blipFill>
+          <a:blip r:embed="rId2">
+            <a:extLst>
+              <a:ext uri="{28A0092B-C50C-407E-A947-70E740481C1C}">
+                <a14:useLocalDpi xmlns:a14="http://schemas.microsoft.com/office/drawing/2010/main" val="0"/>
+              </a:ext>
+            </a:extLst>
+          </a:blip>
+          <a:stretch>
+            <a:fillRect/>
+          </a:stretch>
+        </p:blipFill>
         <p:spPr>
           <a:xfrm>
-            <a:off x="0" y="796925"/>
-            <a:ext cx="9144000" cy="2460625"/>
+            <a:off x="2686540" y="929532"/>
+            <a:ext cx="3365500" cy="2235200"/>
           </a:xfrm>
-          <a:solidFill>
-            <a:schemeClr val="bg1"/>
-          </a:solidFill>
+          <a:prstGeom prst="rect">
+            <a:avLst/>
+          </a:prstGeom>
         </p:spPr>
-      </p:sp>
+      </p:pic>
+      <p:pic>
+        <p:nvPicPr>
+          <p:cNvPr id="28" name="Picture 27">
+            <a:extLst>
+              <a:ext uri="{FF2B5EF4-FFF2-40B4-BE49-F238E27FC236}">
+                <a16:creationId xmlns:a16="http://schemas.microsoft.com/office/drawing/2014/main" id="{2A2CE3C5-1258-4E46-9602-AEEA3574BD8C}"/>
+              </a:ext>
+            </a:extLst>
+          </p:cNvPr>
+          <p:cNvPicPr>
+            <a:picLocks noChangeAspect="1"/>
+          </p:cNvPicPr>
+          <p:nvPr/>
+        </p:nvPicPr>
+        <p:blipFill>
+          <a:blip r:embed="rId2">
+            <a:extLst>
+              <a:ext uri="{28A0092B-C50C-407E-A947-70E740481C1C}">
+                <a14:useLocalDpi xmlns:a14="http://schemas.microsoft.com/office/drawing/2010/main" val="0"/>
+              </a:ext>
+            </a:extLst>
+          </a:blip>
+          <a:stretch>
+            <a:fillRect/>
+          </a:stretch>
+        </p:blipFill>
+        <p:spPr>
+          <a:xfrm>
+            <a:off x="96251" y="929532"/>
+            <a:ext cx="3365500" cy="2235200"/>
+          </a:xfrm>
+          <a:prstGeom prst="rect">
+            <a:avLst/>
+          </a:prstGeom>
+        </p:spPr>
+      </p:pic>
+      <p:pic>
+        <p:nvPicPr>
+          <p:cNvPr id="31" name="Picture 30">
+            <a:extLst>
+              <a:ext uri="{FF2B5EF4-FFF2-40B4-BE49-F238E27FC236}">
+                <a16:creationId xmlns:a16="http://schemas.microsoft.com/office/drawing/2014/main" id="{FAE2B7F9-C01D-C049-A7CE-5316CFF28F05}"/>
+              </a:ext>
+            </a:extLst>
+          </p:cNvPr>
+          <p:cNvPicPr>
+            <a:picLocks noChangeAspect="1"/>
+          </p:cNvPicPr>
+          <p:nvPr/>
+        </p:nvPicPr>
+        <p:blipFill>
+          <a:blip r:embed="rId2">
+            <a:extLst>
+              <a:ext uri="{28A0092B-C50C-407E-A947-70E740481C1C}">
+                <a14:useLocalDpi xmlns:a14="http://schemas.microsoft.com/office/drawing/2010/main" val="0"/>
+              </a:ext>
+            </a:extLst>
+          </a:blip>
+          <a:stretch>
+            <a:fillRect/>
+          </a:stretch>
+        </p:blipFill>
+        <p:spPr>
+          <a:xfrm>
+            <a:off x="5276830" y="1019778"/>
+            <a:ext cx="3365500" cy="2235200"/>
+          </a:xfrm>
+          <a:prstGeom prst="rect">
+            <a:avLst/>
+          </a:prstGeom>
+        </p:spPr>
+      </p:pic>
     </p:spTree>
     <p:extLst>
       <p:ext uri="{BB962C8B-B14F-4D97-AF65-F5344CB8AC3E}">

--- a/ZeroDayAttack.pptx
+++ b/ZeroDayAttack.pptx
@@ -5,10 +5,10 @@
     <p:sldMasterId id="2147483710" r:id="rId5"/>
   </p:sldMasterIdLst>
   <p:notesMasterIdLst>
-    <p:notesMasterId r:id="rId47"/>
+    <p:notesMasterId r:id="rId45"/>
   </p:notesMasterIdLst>
   <p:handoutMasterIdLst>
-    <p:handoutMasterId r:id="rId48"/>
+    <p:handoutMasterId r:id="rId46"/>
   </p:handoutMasterIdLst>
   <p:sldIdLst>
     <p:sldId id="410" r:id="rId6"/>
@@ -18,40 +18,38 @@
     <p:sldId id="494" r:id="rId10"/>
     <p:sldId id="495" r:id="rId11"/>
     <p:sldId id="493" r:id="rId12"/>
-    <p:sldId id="518" r:id="rId13"/>
+    <p:sldId id="523" r:id="rId13"/>
     <p:sldId id="496" r:id="rId14"/>
     <p:sldId id="497" r:id="rId15"/>
-    <p:sldId id="523" r:id="rId16"/>
-    <p:sldId id="498" r:id="rId17"/>
-    <p:sldId id="500" r:id="rId18"/>
-    <p:sldId id="501" r:id="rId19"/>
-    <p:sldId id="519" r:id="rId20"/>
-    <p:sldId id="502" r:id="rId21"/>
-    <p:sldId id="520" r:id="rId22"/>
-    <p:sldId id="521" r:id="rId23"/>
-    <p:sldId id="522" r:id="rId24"/>
-    <p:sldId id="456" r:id="rId25"/>
-    <p:sldId id="442" r:id="rId26"/>
-    <p:sldId id="504" r:id="rId27"/>
-    <p:sldId id="524" r:id="rId28"/>
-    <p:sldId id="443" r:id="rId29"/>
-    <p:sldId id="444" r:id="rId30"/>
-    <p:sldId id="445" r:id="rId31"/>
-    <p:sldId id="514" r:id="rId32"/>
-    <p:sldId id="270" r:id="rId33"/>
-    <p:sldId id="505" r:id="rId34"/>
-    <p:sldId id="507" r:id="rId35"/>
-    <p:sldId id="508" r:id="rId36"/>
-    <p:sldId id="516" r:id="rId37"/>
-    <p:sldId id="515" r:id="rId38"/>
-    <p:sldId id="511" r:id="rId39"/>
-    <p:sldId id="457" r:id="rId40"/>
-    <p:sldId id="512" r:id="rId41"/>
-    <p:sldId id="446" r:id="rId42"/>
-    <p:sldId id="517" r:id="rId43"/>
-    <p:sldId id="450" r:id="rId44"/>
-    <p:sldId id="435" r:id="rId45"/>
-    <p:sldId id="491" r:id="rId46"/>
+    <p:sldId id="498" r:id="rId16"/>
+    <p:sldId id="501" r:id="rId17"/>
+    <p:sldId id="519" r:id="rId18"/>
+    <p:sldId id="502" r:id="rId19"/>
+    <p:sldId id="520" r:id="rId20"/>
+    <p:sldId id="521" r:id="rId21"/>
+    <p:sldId id="522" r:id="rId22"/>
+    <p:sldId id="456" r:id="rId23"/>
+    <p:sldId id="442" r:id="rId24"/>
+    <p:sldId id="504" r:id="rId25"/>
+    <p:sldId id="524" r:id="rId26"/>
+    <p:sldId id="443" r:id="rId27"/>
+    <p:sldId id="444" r:id="rId28"/>
+    <p:sldId id="445" r:id="rId29"/>
+    <p:sldId id="514" r:id="rId30"/>
+    <p:sldId id="270" r:id="rId31"/>
+    <p:sldId id="505" r:id="rId32"/>
+    <p:sldId id="507" r:id="rId33"/>
+    <p:sldId id="508" r:id="rId34"/>
+    <p:sldId id="516" r:id="rId35"/>
+    <p:sldId id="515" r:id="rId36"/>
+    <p:sldId id="511" r:id="rId37"/>
+    <p:sldId id="457" r:id="rId38"/>
+    <p:sldId id="512" r:id="rId39"/>
+    <p:sldId id="446" r:id="rId40"/>
+    <p:sldId id="517" r:id="rId41"/>
+    <p:sldId id="450" r:id="rId42"/>
+    <p:sldId id="435" r:id="rId43"/>
+    <p:sldId id="491" r:id="rId44"/>
   </p:sldIdLst>
   <p:sldSz cx="9144000" cy="5143500" type="screen16x9"/>
   <p:notesSz cx="6858000" cy="9144000"/>
@@ -9707,27 +9705,50 @@
           <a:p>
             <a:r>
               <a:rPr lang="en-US" dirty="0"/>
-              <a:t>QSSI - </a:t>
-            </a:r>
-            <a:r>
-              <a:rPr lang="en-US" dirty="0">
-                <a:hlinkClick r:id="rId3"/>
-              </a:rPr>
-              <a:t>https://www.washingtonpost.com/national/health-science/healthcaregov-fixes-wont-be-done-until-end-of-november/2013/10/25/22df29ba-3d93-11e3-b7ba-503fb5822c3e_story.html</a:t>
-            </a:r>
-            <a:endParaRPr lang="en-US" dirty="0"/>
-          </a:p>
-          <a:p>
-            <a:endParaRPr lang="en-US" dirty="0"/>
+              <a:t>This is not the total solution.  To properly address Security to avoid a Zero Day Attack would take a 3-4 week, 8 hour a day training that still probably wouldn’t be complete.</a:t>
+            </a:r>
           </a:p>
           <a:p>
             <a:r>
               <a:rPr lang="en-US" dirty="0"/>
-              <a:t>New Delivery Date: November 30, 2013</a:t>
-            </a:r>
-          </a:p>
-          <a:p>
-            <a:endParaRPr lang="en-US" dirty="0"/>
+              <a:t>I confess, the title “Prepping for a Zero Day Attack” was a little but of “Click Bait”.</a:t>
+            </a:r>
+          </a:p>
+          <a:p>
+            <a:r>
+              <a:rPr lang="en-US" dirty="0"/>
+              <a:t>I do; however, have a solution for part of the problem that I see getting ignored all the time.</a:t>
+            </a:r>
+          </a:p>
+          <a:p>
+            <a:pPr marL="171450" indent="-171450">
+              <a:buFontTx/>
+              <a:buChar char="-"/>
+            </a:pPr>
+            <a:r>
+              <a:rPr lang="en-US" dirty="0"/>
+              <a:t>The security challenges are  enormous</a:t>
+            </a:r>
+          </a:p>
+          <a:p>
+            <a:pPr marL="171450" indent="-171450">
+              <a:buFontTx/>
+              <a:buChar char="-"/>
+            </a:pPr>
+            <a:r>
+              <a:rPr lang="en-US" dirty="0"/>
+              <a:t>The knowledge necessary to prevent security breaches is vast and changing daily.</a:t>
+            </a:r>
+          </a:p>
+          <a:p>
+            <a:pPr marL="171450" indent="-171450">
+              <a:buFontTx/>
+              <a:buChar char="-"/>
+            </a:pPr>
+            <a:r>
+              <a:rPr lang="en-US" dirty="0"/>
+              <a:t>Automation, Tooling and a solid repeatable process are critical.</a:t>
+            </a:r>
           </a:p>
         </p:txBody>
       </p:sp>
@@ -9748,7 +9769,7 @@
           <a:p>
             <a:fld id="{06268FD1-8F05-4A47-ACB6-864BEBDC9B7E}" type="slidenum">
               <a:rPr lang="en-US" smtClean="0"/>
-              <a:t>15</a:t>
+              <a:t>20</a:t>
             </a:fld>
             <a:endParaRPr lang="en-US"/>
           </a:p>
@@ -9757,7 +9778,7 @@
     </p:spTree>
     <p:extLst>
       <p:ext uri="{BB962C8B-B14F-4D97-AF65-F5344CB8AC3E}">
-        <p14:creationId xmlns:p14="http://schemas.microsoft.com/office/powerpoint/2010/main" val="3366306824"/>
+        <p14:creationId xmlns:p14="http://schemas.microsoft.com/office/powerpoint/2010/main" val="2419978649"/>
       </p:ext>
     </p:extLst>
   </p:cSld>
@@ -9811,52 +9832,7 @@
           <a:bodyPr/>
           <a:lstStyle/>
           <a:p>
-            <a:r>
-              <a:rPr lang="en-US" dirty="0"/>
-              <a:t>This is not the total solution.  To properly address Security to avoid a Zero Day Attack would take a 3-4 week, 8 hour a day training that still probably wouldn’t be complete.</a:t>
-            </a:r>
-          </a:p>
-          <a:p>
-            <a:r>
-              <a:rPr lang="en-US" dirty="0"/>
-              <a:t>I confess, the title “Prepping for a Zero Day Attack” was a little but of “Click Bait”.</a:t>
-            </a:r>
-          </a:p>
-          <a:p>
-            <a:r>
-              <a:rPr lang="en-US" dirty="0"/>
-              <a:t>I do; however, have a solution for part of the problem that I see getting ignored all the time.</a:t>
-            </a:r>
-          </a:p>
-          <a:p>
-            <a:pPr marL="171450" indent="-171450">
-              <a:buFontTx/>
-              <a:buChar char="-"/>
-            </a:pPr>
-            <a:r>
-              <a:rPr lang="en-US" dirty="0"/>
-              <a:t>The security challenges are  enormous</a:t>
-            </a:r>
-          </a:p>
-          <a:p>
-            <a:pPr marL="171450" indent="-171450">
-              <a:buFontTx/>
-              <a:buChar char="-"/>
-            </a:pPr>
-            <a:r>
-              <a:rPr lang="en-US" dirty="0"/>
-              <a:t>The knowledge necessary to prevent security breaches is vast and changing daily.</a:t>
-            </a:r>
-          </a:p>
-          <a:p>
-            <a:pPr marL="171450" indent="-171450">
-              <a:buFontTx/>
-              <a:buChar char="-"/>
-            </a:pPr>
-            <a:r>
-              <a:rPr lang="en-US" dirty="0"/>
-              <a:t>Automation, Tooling and a solid repeatable process are critical.</a:t>
-            </a:r>
+            <a:endParaRPr lang="en-US" dirty="0"/>
           </a:p>
         </p:txBody>
       </p:sp>
@@ -9877,7 +9853,7 @@
           <a:p>
             <a:fld id="{06268FD1-8F05-4A47-ACB6-864BEBDC9B7E}" type="slidenum">
               <a:rPr lang="en-US" smtClean="0"/>
-              <a:t>22</a:t>
+              <a:t>21</a:t>
             </a:fld>
             <a:endParaRPr lang="en-US"/>
           </a:p>
@@ -9886,7 +9862,7 @@
     </p:spTree>
     <p:extLst>
       <p:ext uri="{BB962C8B-B14F-4D97-AF65-F5344CB8AC3E}">
-        <p14:creationId xmlns:p14="http://schemas.microsoft.com/office/powerpoint/2010/main" val="2419978649"/>
+        <p14:creationId xmlns:p14="http://schemas.microsoft.com/office/powerpoint/2010/main" val="2918352077"/>
       </p:ext>
     </p:extLst>
   </p:cSld>
@@ -9959,9 +9935,9 @@
           <a:bodyPr/>
           <a:lstStyle/>
           <a:p>
-            <a:fld id="{06268FD1-8F05-4A47-ACB6-864BEBDC9B7E}" type="slidenum">
+            <a:fld id="{E4458E03-19E1-9046-80D8-7C2702296107}" type="slidenum">
               <a:rPr lang="en-US" smtClean="0"/>
-              <a:t>23</a:t>
+              <a:t>22</a:t>
             </a:fld>
             <a:endParaRPr lang="en-US"/>
           </a:p>
@@ -9970,7 +9946,7 @@
     </p:spTree>
     <p:extLst>
       <p:ext uri="{BB962C8B-B14F-4D97-AF65-F5344CB8AC3E}">
-        <p14:creationId xmlns:p14="http://schemas.microsoft.com/office/powerpoint/2010/main" val="2918352077"/>
+        <p14:creationId xmlns:p14="http://schemas.microsoft.com/office/powerpoint/2010/main" val="3425858735"/>
       </p:ext>
     </p:extLst>
   </p:cSld>
@@ -10024,6 +10000,29 @@
           <a:bodyPr/>
           <a:lstStyle/>
           <a:p>
+            <a:pPr marL="0" marR="0" lvl="0" indent="0" algn="l" defTabSz="457200" rtl="0" eaLnBrk="1" fontAlgn="auto" latinLnBrk="0" hangingPunct="1">
+              <a:lnSpc>
+                <a:spcPct val="100000"/>
+              </a:lnSpc>
+              <a:spcBef>
+                <a:spcPts val="0"/>
+              </a:spcBef>
+              <a:spcAft>
+                <a:spcPts val="0"/>
+              </a:spcAft>
+              <a:buClrTx/>
+              <a:buSzTx/>
+              <a:buFontTx/>
+              <a:buNone/>
+              <a:tabLst/>
+              <a:defRPr/>
+            </a:pPr>
+            <a:r>
+              <a:rPr lang="en-US" dirty="0"/>
+              <a:t>Have you ever been on a team that decided to delay their security scan or their security scan results until right before you deploy to Production?</a:t>
+            </a:r>
+          </a:p>
+          <a:p>
             <a:endParaRPr lang="en-US" dirty="0"/>
           </a:p>
         </p:txBody>
@@ -10045,7 +10044,7 @@
           <a:p>
             <a:fld id="{E4458E03-19E1-9046-80D8-7C2702296107}" type="slidenum">
               <a:rPr lang="en-US" smtClean="0"/>
-              <a:t>24</a:t>
+              <a:t>23</a:t>
             </a:fld>
             <a:endParaRPr lang="en-US"/>
           </a:p>
@@ -10054,7 +10053,7 @@
     </p:spTree>
     <p:extLst>
       <p:ext uri="{BB962C8B-B14F-4D97-AF65-F5344CB8AC3E}">
-        <p14:creationId xmlns:p14="http://schemas.microsoft.com/office/powerpoint/2010/main" val="3425858735"/>
+        <p14:creationId xmlns:p14="http://schemas.microsoft.com/office/powerpoint/2010/main" val="2035062856"/>
       </p:ext>
     </p:extLst>
   </p:cSld>
@@ -10108,30 +10107,16 @@
           <a:bodyPr/>
           <a:lstStyle/>
           <a:p>
-            <a:pPr marL="0" marR="0" lvl="0" indent="0" algn="l" defTabSz="457200" rtl="0" eaLnBrk="1" fontAlgn="auto" latinLnBrk="0" hangingPunct="1">
-              <a:lnSpc>
-                <a:spcPct val="100000"/>
-              </a:lnSpc>
-              <a:spcBef>
-                <a:spcPts val="0"/>
-              </a:spcBef>
-              <a:spcAft>
-                <a:spcPts val="0"/>
-              </a:spcAft>
-              <a:buClrTx/>
-              <a:buSzTx/>
-              <a:buFontTx/>
-              <a:buNone/>
-              <a:tabLst/>
-              <a:defRPr/>
-            </a:pPr>
             <a:r>
               <a:rPr lang="en-US" dirty="0"/>
-              <a:t>Have you ever been on a team that decided to delay their security scan or their security scan results until right before you deploy to Production?</a:t>
-            </a:r>
-          </a:p>
-          <a:p>
-            <a:endParaRPr lang="en-US" dirty="0"/>
+              <a:t>Every Commit runs through the pipeline</a:t>
+            </a:r>
+          </a:p>
+          <a:p>
+            <a:r>
+              <a:rPr lang="en-US" dirty="0"/>
+              <a:t>Only commits to “master” deploy to production</a:t>
+            </a:r>
           </a:p>
         </p:txBody>
       </p:sp>
@@ -10152,7 +10137,7 @@
           <a:p>
             <a:fld id="{E4458E03-19E1-9046-80D8-7C2702296107}" type="slidenum">
               <a:rPr lang="en-US" smtClean="0"/>
-              <a:t>25</a:t>
+              <a:t>24</a:t>
             </a:fld>
             <a:endParaRPr lang="en-US"/>
           </a:p>
@@ -10161,7 +10146,7 @@
     </p:spTree>
     <p:extLst>
       <p:ext uri="{BB962C8B-B14F-4D97-AF65-F5344CB8AC3E}">
-        <p14:creationId xmlns:p14="http://schemas.microsoft.com/office/powerpoint/2010/main" val="2035062856"/>
+        <p14:creationId xmlns:p14="http://schemas.microsoft.com/office/powerpoint/2010/main" val="1234146911"/>
       </p:ext>
     </p:extLst>
   </p:cSld>
@@ -10215,16 +10200,7 @@
           <a:bodyPr/>
           <a:lstStyle/>
           <a:p>
-            <a:r>
-              <a:rPr lang="en-US" dirty="0"/>
-              <a:t>Every Commit runs through the pipeline</a:t>
-            </a:r>
-          </a:p>
-          <a:p>
-            <a:r>
-              <a:rPr lang="en-US" dirty="0"/>
-              <a:t>Only commits to “master” deploy to production</a:t>
-            </a:r>
+            <a:endParaRPr lang="en-US" dirty="0"/>
           </a:p>
         </p:txBody>
       </p:sp>
@@ -10243,9 +10219,9 @@
           <a:bodyPr/>
           <a:lstStyle/>
           <a:p>
-            <a:fld id="{E4458E03-19E1-9046-80D8-7C2702296107}" type="slidenum">
+            <a:fld id="{06268FD1-8F05-4A47-ACB6-864BEBDC9B7E}" type="slidenum">
               <a:rPr lang="en-US" smtClean="0"/>
-              <a:t>26</a:t>
+              <a:t>25</a:t>
             </a:fld>
             <a:endParaRPr lang="en-US"/>
           </a:p>
@@ -10254,7 +10230,7 @@
     </p:spTree>
     <p:extLst>
       <p:ext uri="{BB962C8B-B14F-4D97-AF65-F5344CB8AC3E}">
-        <p14:creationId xmlns:p14="http://schemas.microsoft.com/office/powerpoint/2010/main" val="1234146911"/>
+        <p14:creationId xmlns:p14="http://schemas.microsoft.com/office/powerpoint/2010/main" val="257519778"/>
       </p:ext>
     </p:extLst>
   </p:cSld>
@@ -10308,7 +10284,16 @@
           <a:bodyPr/>
           <a:lstStyle/>
           <a:p>
-            <a:endParaRPr lang="en-US" dirty="0"/>
+            <a:r>
+              <a:rPr lang="en-US" dirty="0"/>
+              <a:t>CI = Continuous Integration</a:t>
+            </a:r>
+          </a:p>
+          <a:p>
+            <a:r>
+              <a:rPr lang="en-US" dirty="0"/>
+              <a:t>CD = Continuous Delivery</a:t>
+            </a:r>
           </a:p>
         </p:txBody>
       </p:sp>
@@ -10327,9 +10312,9 @@
           <a:bodyPr/>
           <a:lstStyle/>
           <a:p>
-            <a:fld id="{06268FD1-8F05-4A47-ACB6-864BEBDC9B7E}" type="slidenum">
+            <a:fld id="{E4458E03-19E1-9046-80D8-7C2702296107}" type="slidenum">
               <a:rPr lang="en-US" smtClean="0"/>
-              <a:t>27</a:t>
+              <a:t>26</a:t>
             </a:fld>
             <a:endParaRPr lang="en-US"/>
           </a:p>
@@ -10338,7 +10323,7 @@
     </p:spTree>
     <p:extLst>
       <p:ext uri="{BB962C8B-B14F-4D97-AF65-F5344CB8AC3E}">
-        <p14:creationId xmlns:p14="http://schemas.microsoft.com/office/powerpoint/2010/main" val="257519778"/>
+        <p14:creationId xmlns:p14="http://schemas.microsoft.com/office/powerpoint/2010/main" val="4033664505"/>
       </p:ext>
     </p:extLst>
   </p:cSld>
@@ -10394,13 +10379,19 @@
           <a:p>
             <a:r>
               <a:rPr lang="en-US" dirty="0"/>
-              <a:t>CI = Continuous Integration</a:t>
+              <a:t>Automating a Process with Poor CICD Security enables you to deliver Vulnerabilities very quickly</a:t>
             </a:r>
           </a:p>
           <a:p>
             <a:r>
               <a:rPr lang="en-US" dirty="0"/>
-              <a:t>CD = Continuous Delivery</a:t>
+              <a:t>Every Commit runs through the pipeline</a:t>
+            </a:r>
+          </a:p>
+          <a:p>
+            <a:r>
+              <a:rPr lang="en-US" dirty="0"/>
+              <a:t>Only commits to “master” deploy to production</a:t>
             </a:r>
           </a:p>
         </p:txBody>
@@ -10422,7 +10413,7 @@
           <a:p>
             <a:fld id="{E4458E03-19E1-9046-80D8-7C2702296107}" type="slidenum">
               <a:rPr lang="en-US" smtClean="0"/>
-              <a:t>28</a:t>
+              <a:t>30</a:t>
             </a:fld>
             <a:endParaRPr lang="en-US"/>
           </a:p>
@@ -10431,7 +10422,7 @@
     </p:spTree>
     <p:extLst>
       <p:ext uri="{BB962C8B-B14F-4D97-AF65-F5344CB8AC3E}">
-        <p14:creationId xmlns:p14="http://schemas.microsoft.com/office/powerpoint/2010/main" val="4033664505"/>
+        <p14:creationId xmlns:p14="http://schemas.microsoft.com/office/powerpoint/2010/main" val="1537022256"/>
       </p:ext>
     </p:extLst>
   </p:cSld>
@@ -10521,7 +10512,7 @@
           <a:p>
             <a:fld id="{E4458E03-19E1-9046-80D8-7C2702296107}" type="slidenum">
               <a:rPr lang="en-US" smtClean="0"/>
-              <a:t>32</a:t>
+              <a:t>31</a:t>
             </a:fld>
             <a:endParaRPr lang="en-US"/>
           </a:p>
@@ -10530,7 +10521,7 @@
     </p:spTree>
     <p:extLst>
       <p:ext uri="{BB962C8B-B14F-4D97-AF65-F5344CB8AC3E}">
-        <p14:creationId xmlns:p14="http://schemas.microsoft.com/office/powerpoint/2010/main" val="1537022256"/>
+        <p14:creationId xmlns:p14="http://schemas.microsoft.com/office/powerpoint/2010/main" val="2259197944"/>
       </p:ext>
     </p:extLst>
   </p:cSld>
@@ -10584,22 +10575,7 @@
           <a:bodyPr/>
           <a:lstStyle/>
           <a:p>
-            <a:r>
-              <a:rPr lang="en-US" dirty="0"/>
-              <a:t>Automating a Process with Poor CICD Security enables you to deliver Vulnerabilities very quickly</a:t>
-            </a:r>
-          </a:p>
-          <a:p>
-            <a:r>
-              <a:rPr lang="en-US" dirty="0"/>
-              <a:t>Every Commit runs through the pipeline</a:t>
-            </a:r>
-          </a:p>
-          <a:p>
-            <a:r>
-              <a:rPr lang="en-US" dirty="0"/>
-              <a:t>Only commits to “master” deploy to production</a:t>
-            </a:r>
+            <a:endParaRPr lang="en-US" dirty="0"/>
           </a:p>
         </p:txBody>
       </p:sp>
@@ -10618,9 +10594,9 @@
           <a:bodyPr/>
           <a:lstStyle/>
           <a:p>
-            <a:fld id="{E4458E03-19E1-9046-80D8-7C2702296107}" type="slidenum">
+            <a:fld id="{06268FD1-8F05-4A47-ACB6-864BEBDC9B7E}" type="slidenum">
               <a:rPr lang="en-US" smtClean="0"/>
-              <a:t>33</a:t>
+              <a:t>32</a:t>
             </a:fld>
             <a:endParaRPr lang="en-US"/>
           </a:p>
@@ -10629,7 +10605,7 @@
     </p:spTree>
     <p:extLst>
       <p:ext uri="{BB962C8B-B14F-4D97-AF65-F5344CB8AC3E}">
-        <p14:creationId xmlns:p14="http://schemas.microsoft.com/office/powerpoint/2010/main" val="2259197944"/>
+        <p14:creationId xmlns:p14="http://schemas.microsoft.com/office/powerpoint/2010/main" val="1257356236"/>
       </p:ext>
     </p:extLst>
   </p:cSld>
@@ -10789,7 +10765,22 @@
           <a:bodyPr/>
           <a:lstStyle/>
           <a:p>
-            <a:endParaRPr lang="en-US" dirty="0"/>
+            <a:r>
+              <a:rPr lang="en-US" dirty="0"/>
+              <a:t>I am not covering this well enough.</a:t>
+            </a:r>
+          </a:p>
+          <a:p>
+            <a:r>
+              <a:rPr lang="en-US" dirty="0"/>
+              <a:t>1 – Security in the Pipeline is Step 1</a:t>
+            </a:r>
+          </a:p>
+          <a:p>
+            <a:r>
+              <a:rPr lang="en-US" dirty="0"/>
+              <a:t>2 – There are other areas that need to be addressed to have adequate security</a:t>
+            </a:r>
           </a:p>
         </p:txBody>
       </p:sp>
@@ -10808,9 +10799,9 @@
           <a:bodyPr/>
           <a:lstStyle/>
           <a:p>
-            <a:fld id="{06268FD1-8F05-4A47-ACB6-864BEBDC9B7E}" type="slidenum">
+            <a:fld id="{E4458E03-19E1-9046-80D8-7C2702296107}" type="slidenum">
               <a:rPr lang="en-US" smtClean="0"/>
-              <a:t>34</a:t>
+              <a:t>33</a:t>
             </a:fld>
             <a:endParaRPr lang="en-US"/>
           </a:p>
@@ -10819,7 +10810,7 @@
     </p:spTree>
     <p:extLst>
       <p:ext uri="{BB962C8B-B14F-4D97-AF65-F5344CB8AC3E}">
-        <p14:creationId xmlns:p14="http://schemas.microsoft.com/office/powerpoint/2010/main" val="1257356236"/>
+        <p14:creationId xmlns:p14="http://schemas.microsoft.com/office/powerpoint/2010/main" val="404419268"/>
       </p:ext>
     </p:extLst>
   </p:cSld>
@@ -10873,22 +10864,7 @@
           <a:bodyPr/>
           <a:lstStyle/>
           <a:p>
-            <a:r>
-              <a:rPr lang="en-US" dirty="0"/>
-              <a:t>I am not covering this well enough.</a:t>
-            </a:r>
-          </a:p>
-          <a:p>
-            <a:r>
-              <a:rPr lang="en-US" dirty="0"/>
-              <a:t>1 – Security in the Pipeline is Step 1</a:t>
-            </a:r>
-          </a:p>
-          <a:p>
-            <a:r>
-              <a:rPr lang="en-US" dirty="0"/>
-              <a:t>2 – There are other areas that need to be addressed to have adequate security</a:t>
-            </a:r>
+            <a:endParaRPr lang="en-US" dirty="0"/>
           </a:p>
         </p:txBody>
       </p:sp>
@@ -10907,9 +10883,9 @@
           <a:bodyPr/>
           <a:lstStyle/>
           <a:p>
-            <a:fld id="{E4458E03-19E1-9046-80D8-7C2702296107}" type="slidenum">
+            <a:fld id="{06268FD1-8F05-4A47-ACB6-864BEBDC9B7E}" type="slidenum">
               <a:rPr lang="en-US" smtClean="0"/>
-              <a:t>35</a:t>
+              <a:t>34</a:t>
             </a:fld>
             <a:endParaRPr lang="en-US"/>
           </a:p>
@@ -10918,7 +10894,7 @@
     </p:spTree>
     <p:extLst>
       <p:ext uri="{BB962C8B-B14F-4D97-AF65-F5344CB8AC3E}">
-        <p14:creationId xmlns:p14="http://schemas.microsoft.com/office/powerpoint/2010/main" val="404419268"/>
+        <p14:creationId xmlns:p14="http://schemas.microsoft.com/office/powerpoint/2010/main" val="458605662"/>
       </p:ext>
     </p:extLst>
   </p:cSld>
@@ -10972,7 +10948,10 @@
           <a:bodyPr/>
           <a:lstStyle/>
           <a:p>
-            <a:endParaRPr lang="en-US" dirty="0"/>
+            <a:r>
+              <a:rPr lang="en-US" dirty="0"/>
+              <a:t>There is more work to do with Network Security</a:t>
+            </a:r>
           </a:p>
         </p:txBody>
       </p:sp>
@@ -10991,9 +10970,9 @@
           <a:bodyPr/>
           <a:lstStyle/>
           <a:p>
-            <a:fld id="{06268FD1-8F05-4A47-ACB6-864BEBDC9B7E}" type="slidenum">
+            <a:fld id="{E4458E03-19E1-9046-80D8-7C2702296107}" type="slidenum">
               <a:rPr lang="en-US" smtClean="0"/>
-              <a:t>36</a:t>
+              <a:t>35</a:t>
             </a:fld>
             <a:endParaRPr lang="en-US"/>
           </a:p>
@@ -11002,7 +10981,7 @@
     </p:spTree>
     <p:extLst>
       <p:ext uri="{BB962C8B-B14F-4D97-AF65-F5344CB8AC3E}">
-        <p14:creationId xmlns:p14="http://schemas.microsoft.com/office/powerpoint/2010/main" val="458605662"/>
+        <p14:creationId xmlns:p14="http://schemas.microsoft.com/office/powerpoint/2010/main" val="290223140"/>
       </p:ext>
     </p:extLst>
   </p:cSld>
@@ -11056,10 +11035,7 @@
           <a:bodyPr/>
           <a:lstStyle/>
           <a:p>
-            <a:r>
-              <a:rPr lang="en-US" dirty="0"/>
-              <a:t>There is more work to do with Network Security</a:t>
-            </a:r>
+            <a:endParaRPr lang="en-US" dirty="0"/>
           </a:p>
         </p:txBody>
       </p:sp>
@@ -11078,9 +11054,9 @@
           <a:bodyPr/>
           <a:lstStyle/>
           <a:p>
-            <a:fld id="{E4458E03-19E1-9046-80D8-7C2702296107}" type="slidenum">
+            <a:fld id="{06268FD1-8F05-4A47-ACB6-864BEBDC9B7E}" type="slidenum">
               <a:rPr lang="en-US" smtClean="0"/>
-              <a:t>37</a:t>
+              <a:t>36</a:t>
             </a:fld>
             <a:endParaRPr lang="en-US"/>
           </a:p>
@@ -11089,7 +11065,7 @@
     </p:spTree>
     <p:extLst>
       <p:ext uri="{BB962C8B-B14F-4D97-AF65-F5344CB8AC3E}">
-        <p14:creationId xmlns:p14="http://schemas.microsoft.com/office/powerpoint/2010/main" val="290223140"/>
+        <p14:creationId xmlns:p14="http://schemas.microsoft.com/office/powerpoint/2010/main" val="1846513517"/>
       </p:ext>
     </p:extLst>
   </p:cSld>
@@ -11143,7 +11119,16 @@
           <a:bodyPr/>
           <a:lstStyle/>
           <a:p>
-            <a:endParaRPr lang="en-US" dirty="0"/>
+            <a:r>
+              <a:rPr lang="en-US" dirty="0"/>
+              <a:t> The description needs help – explain the “Why”</a:t>
+            </a:r>
+          </a:p>
+          <a:p>
+            <a:r>
+              <a:rPr lang="en-US" dirty="0"/>
+              <a:t>Speed – How to Delivering Application (code, infrastructure, database, etc..) changes quickly to customers</a:t>
+            </a:r>
           </a:p>
         </p:txBody>
       </p:sp>
@@ -11164,100 +11149,7 @@
           <a:p>
             <a:fld id="{06268FD1-8F05-4A47-ACB6-864BEBDC9B7E}" type="slidenum">
               <a:rPr lang="en-US" smtClean="0"/>
-              <a:t>38</a:t>
-            </a:fld>
-            <a:endParaRPr lang="en-US"/>
-          </a:p>
-        </p:txBody>
-      </p:sp>
-    </p:spTree>
-    <p:extLst>
-      <p:ext uri="{BB962C8B-B14F-4D97-AF65-F5344CB8AC3E}">
-        <p14:creationId xmlns:p14="http://schemas.microsoft.com/office/powerpoint/2010/main" val="1846513517"/>
-      </p:ext>
-    </p:extLst>
-  </p:cSld>
-  <p:clrMapOvr>
-    <a:masterClrMapping/>
-  </p:clrMapOvr>
-</p:notes>
-</file>
-
-<file path=ppt/notesSlides/notesSlide25.xml><?xml version="1.0" encoding="utf-8"?>
-<p:notes xmlns:a="http://schemas.openxmlformats.org/drawingml/2006/main" xmlns:r="http://schemas.openxmlformats.org/officeDocument/2006/relationships" xmlns:p="http://schemas.openxmlformats.org/presentationml/2006/main">
-  <p:cSld>
-    <p:spTree>
-      <p:nvGrpSpPr>
-        <p:cNvPr id="1" name=""/>
-        <p:cNvGrpSpPr/>
-        <p:nvPr/>
-      </p:nvGrpSpPr>
-      <p:grpSpPr>
-        <a:xfrm>
-          <a:off x="0" y="0"/>
-          <a:ext cx="0" cy="0"/>
-          <a:chOff x="0" y="0"/>
-          <a:chExt cx="0" cy="0"/>
-        </a:xfrm>
-      </p:grpSpPr>
-      <p:sp>
-        <p:nvSpPr>
-          <p:cNvPr id="2" name="Slide Image Placeholder 1"/>
-          <p:cNvSpPr>
-            <a:spLocks noGrp="1" noRot="1" noChangeAspect="1"/>
-          </p:cNvSpPr>
-          <p:nvPr>
-            <p:ph type="sldImg"/>
-          </p:nvPr>
-        </p:nvSpPr>
-        <p:spPr/>
-      </p:sp>
-      <p:sp>
-        <p:nvSpPr>
-          <p:cNvPr id="3" name="Notes Placeholder 2"/>
-          <p:cNvSpPr>
-            <a:spLocks noGrp="1"/>
-          </p:cNvSpPr>
-          <p:nvPr>
-            <p:ph type="body" idx="1"/>
-          </p:nvPr>
-        </p:nvSpPr>
-        <p:spPr/>
-        <p:txBody>
-          <a:bodyPr/>
-          <a:lstStyle/>
-          <a:p>
-            <a:r>
-              <a:rPr lang="en-US" dirty="0"/>
-              <a:t> The description needs help – explain the “Why”</a:t>
-            </a:r>
-          </a:p>
-          <a:p>
-            <a:r>
-              <a:rPr lang="en-US" dirty="0"/>
-              <a:t>Speed – How to Delivering Application (code, infrastructure, database, etc..) changes quickly to customers</a:t>
-            </a:r>
-          </a:p>
-        </p:txBody>
-      </p:sp>
-      <p:sp>
-        <p:nvSpPr>
-          <p:cNvPr id="4" name="Slide Number Placeholder 3"/>
-          <p:cNvSpPr>
-            <a:spLocks noGrp="1"/>
-          </p:cNvSpPr>
-          <p:nvPr>
-            <p:ph type="sldNum" sz="quarter" idx="5"/>
-          </p:nvPr>
-        </p:nvSpPr>
-        <p:spPr/>
-        <p:txBody>
-          <a:bodyPr/>
-          <a:lstStyle/>
-          <a:p>
-            <a:fld id="{06268FD1-8F05-4A47-ACB6-864BEBDC9B7E}" type="slidenum">
-              <a:rPr lang="en-US" smtClean="0"/>
-              <a:t>41</a:t>
+              <a:t>39</a:t>
             </a:fld>
             <a:endParaRPr lang="en-US"/>
           </a:p>
@@ -11562,7 +11454,7 @@
     </p:spTree>
     <p:extLst>
       <p:ext uri="{BB962C8B-B14F-4D97-AF65-F5344CB8AC3E}">
-        <p14:creationId xmlns:p14="http://schemas.microsoft.com/office/powerpoint/2010/main" val="2534604022"/>
+        <p14:creationId xmlns:p14="http://schemas.microsoft.com/office/powerpoint/2010/main" val="2578853529"/>
       </p:ext>
     </p:extLst>
   </p:cSld>
@@ -11742,27 +11634,8 @@
           <a:p>
             <a:r>
               <a:rPr lang="en-US" dirty="0"/>
-              <a:t>QSSI - </a:t>
-            </a:r>
-            <a:r>
-              <a:rPr lang="en-US" dirty="0">
-                <a:hlinkClick r:id="rId3"/>
-              </a:rPr>
-              <a:t>https://www.washingtonpost.com/national/health-science/healthcaregov-fixes-wont-be-done-until-end-of-november/2013/10/25/22df29ba-3d93-11e3-b7ba-503fb5822c3e_story.html</a:t>
-            </a:r>
-            <a:endParaRPr lang="en-US" dirty="0"/>
-          </a:p>
-          <a:p>
-            <a:endParaRPr lang="en-US" dirty="0"/>
-          </a:p>
-          <a:p>
-            <a:r>
-              <a:rPr lang="en-US" dirty="0"/>
-              <a:t>New Delivery Date: November 30, 2013</a:t>
-            </a:r>
-          </a:p>
-          <a:p>
-            <a:endParaRPr lang="en-US" dirty="0"/>
+              <a:t>Imagine if you were in charge and you could begin developing this entire application again from the beginning?</a:t>
+            </a:r>
           </a:p>
         </p:txBody>
       </p:sp>
@@ -11781,7 +11654,7 @@
           <a:bodyPr/>
           <a:lstStyle/>
           <a:p>
-            <a:fld id="{06268FD1-8F05-4A47-ACB6-864BEBDC9B7E}" type="slidenum">
+            <a:fld id="{E4458E03-19E1-9046-80D8-7C2702296107}" type="slidenum">
               <a:rPr lang="en-US" smtClean="0"/>
               <a:t>11</a:t>
             </a:fld>
@@ -11792,7 +11665,7 @@
     </p:spTree>
     <p:extLst>
       <p:ext uri="{BB962C8B-B14F-4D97-AF65-F5344CB8AC3E}">
-        <p14:creationId xmlns:p14="http://schemas.microsoft.com/office/powerpoint/2010/main" val="2578853529"/>
+        <p14:creationId xmlns:p14="http://schemas.microsoft.com/office/powerpoint/2010/main" val="3552153267"/>
       </p:ext>
     </p:extLst>
   </p:cSld>
@@ -11848,7 +11721,7 @@
           <a:p>
             <a:r>
               <a:rPr lang="en-US" dirty="0"/>
-              <a:t>Imagine if you were in charge and you could begin developing this entire application again from the beginning?</a:t>
+              <a:t>Its all about the people or better said, It’s all about having the right leadership to create the right environment where the people, processes and technology can flourish.</a:t>
             </a:r>
           </a:p>
         </p:txBody>
@@ -11879,7 +11752,7 @@
     </p:spTree>
     <p:extLst>
       <p:ext uri="{BB962C8B-B14F-4D97-AF65-F5344CB8AC3E}">
-        <p14:creationId xmlns:p14="http://schemas.microsoft.com/office/powerpoint/2010/main" val="3552153267"/>
+        <p14:creationId xmlns:p14="http://schemas.microsoft.com/office/powerpoint/2010/main" val="1716344404"/>
       </p:ext>
     </p:extLst>
   </p:cSld>
@@ -11935,8 +11808,27 @@
           <a:p>
             <a:r>
               <a:rPr lang="en-US" dirty="0"/>
-              <a:t>Its all about the people or better said, It’s all about having the right leadership to create the right environment where the people, processes and technology can flourish.</a:t>
-            </a:r>
+              <a:t>QSSI - </a:t>
+            </a:r>
+            <a:r>
+              <a:rPr lang="en-US" dirty="0">
+                <a:hlinkClick r:id="rId3"/>
+              </a:rPr>
+              <a:t>https://www.washingtonpost.com/national/health-science/healthcaregov-fixes-wont-be-done-until-end-of-november/2013/10/25/22df29ba-3d93-11e3-b7ba-503fb5822c3e_story.html</a:t>
+            </a:r>
+            <a:endParaRPr lang="en-US" dirty="0"/>
+          </a:p>
+          <a:p>
+            <a:endParaRPr lang="en-US" dirty="0"/>
+          </a:p>
+          <a:p>
+            <a:r>
+              <a:rPr lang="en-US" dirty="0"/>
+              <a:t>New Delivery Date: November 30, 2013</a:t>
+            </a:r>
+          </a:p>
+          <a:p>
+            <a:endParaRPr lang="en-US" dirty="0"/>
           </a:p>
         </p:txBody>
       </p:sp>
@@ -11955,9 +11847,9 @@
           <a:bodyPr/>
           <a:lstStyle/>
           <a:p>
-            <a:fld id="{E4458E03-19E1-9046-80D8-7C2702296107}" type="slidenum">
+            <a:fld id="{06268FD1-8F05-4A47-ACB6-864BEBDC9B7E}" type="slidenum">
               <a:rPr lang="en-US" smtClean="0"/>
-              <a:t>14</a:t>
+              <a:t>13</a:t>
             </a:fld>
             <a:endParaRPr lang="en-US"/>
           </a:p>
@@ -11966,7 +11858,7 @@
     </p:spTree>
     <p:extLst>
       <p:ext uri="{BB962C8B-B14F-4D97-AF65-F5344CB8AC3E}">
-        <p14:creationId xmlns:p14="http://schemas.microsoft.com/office/powerpoint/2010/main" val="1716344404"/>
+        <p14:creationId xmlns:p14="http://schemas.microsoft.com/office/powerpoint/2010/main" val="3366306824"/>
       </p:ext>
     </p:extLst>
   </p:cSld>
@@ -12349,7 +12241,7 @@
           <a:graphicData uri="http://schemas.openxmlformats.org/presentationml/2006/ole">
             <mc:AlternateContent xmlns:mc="http://schemas.openxmlformats.org/markup-compatibility/2006">
               <mc:Choice xmlns:v="urn:schemas-microsoft-com:vml" Requires="v">
-                <p:oleObj spid="_x0000_s4263" name="think-cell Slide" r:id="rId4" imgW="408" imgH="408" progId="TCLayout.ActiveDocument.1">
+                <p:oleObj spid="_x0000_s4268" name="think-cell Slide" r:id="rId4" imgW="408" imgH="408" progId="TCLayout.ActiveDocument.1">
                   <p:embed/>
                 </p:oleObj>
               </mc:Choice>
@@ -12928,7 +12820,7 @@
           <a:graphicData uri="http://schemas.openxmlformats.org/presentationml/2006/ole">
             <mc:AlternateContent xmlns:mc="http://schemas.openxmlformats.org/markup-compatibility/2006">
               <mc:Choice xmlns:v="urn:schemas-microsoft-com:vml" Requires="v">
-                <p:oleObj spid="_x0000_s5288" name="think-cell Slide" r:id="rId4" imgW="408" imgH="408" progId="TCLayout.ActiveDocument.1">
+                <p:oleObj spid="_x0000_s5293" name="think-cell Slide" r:id="rId4" imgW="408" imgH="408" progId="TCLayout.ActiveDocument.1">
                   <p:embed/>
                 </p:oleObj>
               </mc:Choice>
@@ -13226,7 +13118,7 @@
           <a:graphicData uri="http://schemas.openxmlformats.org/presentationml/2006/ole">
             <mc:AlternateContent xmlns:mc="http://schemas.openxmlformats.org/markup-compatibility/2006">
               <mc:Choice xmlns:v="urn:schemas-microsoft-com:vml" Requires="v">
-                <p:oleObj spid="_x0000_s6313" name="think-cell Slide" r:id="rId4" imgW="408" imgH="408" progId="TCLayout.ActiveDocument.1">
+                <p:oleObj spid="_x0000_s6318" name="think-cell Slide" r:id="rId4" imgW="408" imgH="408" progId="TCLayout.ActiveDocument.1">
                   <p:embed/>
                 </p:oleObj>
               </mc:Choice>
@@ -13568,7 +13460,7 @@
           <a:graphicData uri="http://schemas.openxmlformats.org/presentationml/2006/ole">
             <mc:AlternateContent xmlns:mc="http://schemas.openxmlformats.org/markup-compatibility/2006">
               <mc:Choice xmlns:v="urn:schemas-microsoft-com:vml" Requires="v">
-                <p:oleObj spid="_x0000_s7335" name="think-cell Slide" r:id="rId4" imgW="408" imgH="408" progId="TCLayout.ActiveDocument.1">
+                <p:oleObj spid="_x0000_s7340" name="think-cell Slide" r:id="rId4" imgW="408" imgH="408" progId="TCLayout.ActiveDocument.1">
                   <p:embed/>
                 </p:oleObj>
               </mc:Choice>
@@ -14021,7 +13913,7 @@
           <a:graphicData uri="http://schemas.openxmlformats.org/presentationml/2006/ole">
             <mc:AlternateContent xmlns:mc="http://schemas.openxmlformats.org/markup-compatibility/2006">
               <mc:Choice xmlns:v="urn:schemas-microsoft-com:vml" Requires="v">
-                <p:oleObj spid="_x0000_s8359" name="think-cell Slide" r:id="rId4" imgW="408" imgH="408" progId="TCLayout.ActiveDocument.1">
+                <p:oleObj spid="_x0000_s8364" name="think-cell Slide" r:id="rId4" imgW="408" imgH="408" progId="TCLayout.ActiveDocument.1">
                   <p:embed/>
                 </p:oleObj>
               </mc:Choice>
@@ -23355,7 +23247,7 @@
           <a:graphicData uri="http://schemas.openxmlformats.org/presentationml/2006/ole">
             <mc:AlternateContent xmlns:mc="http://schemas.openxmlformats.org/markup-compatibility/2006">
               <mc:Choice xmlns:v="urn:schemas-microsoft-com:vml" Requires="v">
-                <p:oleObj spid="_x0000_s11429" name="think-cell Slide" r:id="rId4" imgW="408" imgH="408" progId="TCLayout.ActiveDocument.1">
+                <p:oleObj spid="_x0000_s11434" name="think-cell Slide" r:id="rId4" imgW="408" imgH="408" progId="TCLayout.ActiveDocument.1">
                   <p:embed/>
                 </p:oleObj>
               </mc:Choice>
@@ -29668,7 +29560,7 @@
           <a:graphicData uri="http://schemas.openxmlformats.org/presentationml/2006/ole">
             <mc:AlternateContent xmlns:mc="http://schemas.openxmlformats.org/markup-compatibility/2006">
               <mc:Choice xmlns:v="urn:schemas-microsoft-com:vml" Requires="v">
-                <p:oleObj spid="_x0000_s12417" name="think-cell Slide" r:id="rId4" imgW="408" imgH="408" progId="TCLayout.ActiveDocument.1">
+                <p:oleObj spid="_x0000_s12422" name="think-cell Slide" r:id="rId4" imgW="408" imgH="408" progId="TCLayout.ActiveDocument.1">
                   <p:embed/>
                 </p:oleObj>
               </mc:Choice>
@@ -30985,7 +30877,7 @@
           <a:graphicData uri="http://schemas.openxmlformats.org/presentationml/2006/ole">
             <mc:AlternateContent xmlns:mc="http://schemas.openxmlformats.org/markup-compatibility/2006">
               <mc:Choice xmlns:v="urn:schemas-microsoft-com:vml" Requires="v">
-                <p:oleObj spid="_x0000_s2216" name="think-cell Slide" r:id="rId4" imgW="408" imgH="408" progId="TCLayout.ActiveDocument.1">
+                <p:oleObj spid="_x0000_s2221" name="think-cell Slide" r:id="rId4" imgW="408" imgH="408" progId="TCLayout.ActiveDocument.1">
                   <p:embed/>
                 </p:oleObj>
               </mc:Choice>
@@ -31690,7 +31582,7 @@
           <a:graphicData uri="http://schemas.openxmlformats.org/presentationml/2006/ole">
             <mc:AlternateContent xmlns:mc="http://schemas.openxmlformats.org/markup-compatibility/2006">
               <mc:Choice xmlns:v="urn:schemas-microsoft-com:vml" Requires="v">
-                <p:oleObj spid="_x0000_s3240" name="think-cell Slide" r:id="rId4" imgW="408" imgH="408" progId="TCLayout.ActiveDocument.1">
+                <p:oleObj spid="_x0000_s3245" name="think-cell Slide" r:id="rId4" imgW="408" imgH="408" progId="TCLayout.ActiveDocument.1">
                   <p:embed/>
                 </p:oleObj>
               </mc:Choice>
@@ -32064,7 +31956,7 @@
           <a:graphicData uri="http://schemas.openxmlformats.org/presentationml/2006/ole">
             <mc:AlternateContent xmlns:mc="http://schemas.openxmlformats.org/markup-compatibility/2006">
               <mc:Choice xmlns:v="urn:schemas-microsoft-com:vml" Requires="v">
-                <p:oleObj spid="_x0000_s1197" name="think-cell Slide" r:id="rId51" imgW="408" imgH="408" progId="TCLayout.ActiveDocument.1">
+                <p:oleObj spid="_x0000_s1202" name="think-cell Slide" r:id="rId51" imgW="408" imgH="408" progId="TCLayout.ActiveDocument.1">
                   <p:embed/>
                 </p:oleObj>
               </mc:Choice>
@@ -32995,142 +32887,6 @@
       </p:grpSpPr>
       <p:sp>
         <p:nvSpPr>
-          <p:cNvPr id="11" name="Text Placeholder 10"/>
-          <p:cNvSpPr>
-            <a:spLocks noGrp="1"/>
-          </p:cNvSpPr>
-          <p:nvPr>
-            <p:ph type="body" sz="quarter" idx="12"/>
-          </p:nvPr>
-        </p:nvSpPr>
-        <p:spPr>
-          <a:xfrm>
-            <a:off x="1660525" y="1387403"/>
-            <a:ext cx="5822950" cy="2181102"/>
-          </a:xfrm>
-        </p:spPr>
-        <p:txBody>
-          <a:bodyPr/>
-          <a:lstStyle/>
-          <a:p>
-            <a:r>
-              <a:rPr lang="en-US" sz="4400" b="1" dirty="0"/>
-              <a:t>Optum was asked to </a:t>
-            </a:r>
-          </a:p>
-          <a:p>
-            <a:r>
-              <a:rPr lang="en-US" sz="4400" b="1" dirty="0"/>
-              <a:t>help with the Massive Rescue Effort!</a:t>
-            </a:r>
-          </a:p>
-          <a:p>
-            <a:endParaRPr lang="en-US" sz="4400" b="1" dirty="0"/>
-          </a:p>
-        </p:txBody>
-      </p:sp>
-      <p:pic>
-        <p:nvPicPr>
-          <p:cNvPr id="13" name="Picture 12"/>
-          <p:cNvPicPr>
-            <a:picLocks noChangeAspect="1"/>
-          </p:cNvPicPr>
-          <p:nvPr/>
-        </p:nvPicPr>
-        <p:blipFill>
-          <a:blip r:embed="rId3">
-            <a:extLst>
-              <a:ext uri="{28A0092B-C50C-407E-A947-70E740481C1C}">
-                <a14:useLocalDpi xmlns:a14="http://schemas.microsoft.com/office/drawing/2010/main" val="0"/>
-              </a:ext>
-            </a:extLst>
-          </a:blip>
-          <a:stretch>
-            <a:fillRect/>
-          </a:stretch>
-        </p:blipFill>
-        <p:spPr>
-          <a:xfrm>
-            <a:off x="5452321" y="2724443"/>
-            <a:ext cx="3382190" cy="2251270"/>
-          </a:xfrm>
-          <a:prstGeom prst="rect">
-            <a:avLst/>
-          </a:prstGeom>
-        </p:spPr>
-      </p:pic>
-      <p:sp>
-        <p:nvSpPr>
-          <p:cNvPr id="14" name="Rectangle 13"/>
-          <p:cNvSpPr/>
-          <p:nvPr/>
-        </p:nvSpPr>
-        <p:spPr>
-          <a:xfrm>
-            <a:off x="2244323" y="4720879"/>
-            <a:ext cx="4014561" cy="369332"/>
-          </a:xfrm>
-          <a:prstGeom prst="rect">
-            <a:avLst/>
-          </a:prstGeom>
-        </p:spPr>
-        <p:txBody>
-          <a:bodyPr wrap="none">
-            <a:spAutoFit/>
-          </a:bodyPr>
-          <a:lstStyle/>
-          <a:p>
-            <a:pPr marL="300038" lvl="1" indent="0">
-              <a:buNone/>
-            </a:pPr>
-            <a:r>
-              <a:rPr lang="en-US" b="1" dirty="0">
-                <a:solidFill>
-                  <a:schemeClr val="bg1"/>
-                </a:solidFill>
-              </a:rPr>
-              <a:t>New Launch Date:  Nov 30, 2013</a:t>
-            </a:r>
-            <a:endParaRPr lang="en-US" sz="2000" b="1" dirty="0">
-              <a:solidFill>
-                <a:schemeClr val="bg1"/>
-              </a:solidFill>
-            </a:endParaRPr>
-          </a:p>
-        </p:txBody>
-      </p:sp>
-    </p:spTree>
-    <p:extLst>
-      <p:ext uri="{BB962C8B-B14F-4D97-AF65-F5344CB8AC3E}">
-        <p14:creationId xmlns:p14="http://schemas.microsoft.com/office/powerpoint/2010/main" val="1209883111"/>
-      </p:ext>
-    </p:extLst>
-  </p:cSld>
-  <p:clrMapOvr>
-    <a:masterClrMapping/>
-  </p:clrMapOvr>
-</p:sld>
-</file>
-
-<file path=ppt/slides/slide12.xml><?xml version="1.0" encoding="utf-8"?>
-<p:sld xmlns:a="http://schemas.openxmlformats.org/drawingml/2006/main" xmlns:r="http://schemas.openxmlformats.org/officeDocument/2006/relationships" xmlns:p="http://schemas.openxmlformats.org/presentationml/2006/main">
-  <p:cSld>
-    <p:spTree>
-      <p:nvGrpSpPr>
-        <p:cNvPr id="1" name=""/>
-        <p:cNvGrpSpPr/>
-        <p:nvPr/>
-      </p:nvGrpSpPr>
-      <p:grpSpPr>
-        <a:xfrm>
-          <a:off x="0" y="0"/>
-          <a:ext cx="0" cy="0"/>
-          <a:chOff x="0" y="0"/>
-          <a:chExt cx="0" cy="0"/>
-        </a:xfrm>
-      </p:grpSpPr>
-      <p:sp>
-        <p:nvSpPr>
           <p:cNvPr id="2" name="Slide Number Placeholder 1"/>
           <p:cNvSpPr>
             <a:spLocks noGrp="1"/>
@@ -33147,7 +32903,7 @@
             <a:fld id="{6575370D-4E78-C44F-8DB3-41D140BF8DE9}" type="slidenum">
               <a:rPr lang="en-US" smtClean="0"/>
               <a:pPr/>
-              <a:t>12</a:t>
+              <a:t>11</a:t>
             </a:fld>
             <a:endParaRPr lang="en-US" dirty="0"/>
           </a:p>
@@ -33313,121 +33069,7 @@
 </p:sld>
 </file>
 
-<file path=ppt/slides/slide13.xml><?xml version="1.0" encoding="utf-8"?>
-<p:sld xmlns:a="http://schemas.openxmlformats.org/drawingml/2006/main" xmlns:r="http://schemas.openxmlformats.org/officeDocument/2006/relationships" xmlns:p="http://schemas.openxmlformats.org/presentationml/2006/main">
-  <p:cSld>
-    <p:spTree>
-      <p:nvGrpSpPr>
-        <p:cNvPr id="1" name=""/>
-        <p:cNvGrpSpPr/>
-        <p:nvPr/>
-      </p:nvGrpSpPr>
-      <p:grpSpPr>
-        <a:xfrm>
-          <a:off x="0" y="0"/>
-          <a:ext cx="0" cy="0"/>
-          <a:chOff x="0" y="0"/>
-          <a:chExt cx="0" cy="0"/>
-        </a:xfrm>
-      </p:grpSpPr>
-      <p:sp>
-        <p:nvSpPr>
-          <p:cNvPr id="2" name="Slide Number Placeholder 1"/>
-          <p:cNvSpPr>
-            <a:spLocks noGrp="1"/>
-          </p:cNvSpPr>
-          <p:nvPr>
-            <p:ph type="sldNum" sz="quarter" idx="11"/>
-          </p:nvPr>
-        </p:nvSpPr>
-        <p:spPr/>
-        <p:txBody>
-          <a:bodyPr/>
-          <a:lstStyle/>
-          <a:p>
-            <a:fld id="{6575370D-4E78-C44F-8DB3-41D140BF8DE9}" type="slidenum">
-              <a:rPr lang="en-US" smtClean="0"/>
-              <a:pPr/>
-              <a:t>13</a:t>
-            </a:fld>
-            <a:endParaRPr lang="en-US" dirty="0"/>
-          </a:p>
-        </p:txBody>
-      </p:sp>
-      <p:sp>
-        <p:nvSpPr>
-          <p:cNvPr id="3" name="Text Placeholder 2"/>
-          <p:cNvSpPr>
-            <a:spLocks noGrp="1"/>
-          </p:cNvSpPr>
-          <p:nvPr>
-            <p:ph type="body" sz="quarter" idx="12"/>
-          </p:nvPr>
-        </p:nvSpPr>
-        <p:spPr>
-          <a:xfrm>
-            <a:off x="1072579" y="1462427"/>
-            <a:ext cx="6998843" cy="2987675"/>
-          </a:xfrm>
-        </p:spPr>
-        <p:txBody>
-          <a:bodyPr/>
-          <a:lstStyle/>
-          <a:p>
-            <a:r>
-              <a:rPr lang="en-US" dirty="0">
-                <a:sym typeface="Wingdings" pitchFamily="2" charset="2"/>
-              </a:rPr>
-              <a:t>Spent Millions of dollars in a rescue effort, after production release, rather than spending a far less amount up front via Engineering Excellence</a:t>
-            </a:r>
-            <a:endParaRPr lang="en-US" dirty="0"/>
-          </a:p>
-        </p:txBody>
-      </p:sp>
-      <p:pic>
-        <p:nvPicPr>
-          <p:cNvPr id="4" name="Picture 3">
-            <a:extLst>
-              <a:ext uri="{FF2B5EF4-FFF2-40B4-BE49-F238E27FC236}">
-                <a16:creationId xmlns:a16="http://schemas.microsoft.com/office/drawing/2014/main" id="{C9934D9C-FB55-394D-BAC7-D836A27CB54F}"/>
-              </a:ext>
-            </a:extLst>
-          </p:cNvPr>
-          <p:cNvPicPr>
-            <a:picLocks noChangeAspect="1"/>
-          </p:cNvPicPr>
-          <p:nvPr/>
-        </p:nvPicPr>
-        <p:blipFill>
-          <a:blip r:embed="rId2"/>
-          <a:stretch>
-            <a:fillRect/>
-          </a:stretch>
-        </p:blipFill>
-        <p:spPr>
-          <a:xfrm>
-            <a:off x="161545" y="168120"/>
-            <a:ext cx="2175401" cy="1444975"/>
-          </a:xfrm>
-          <a:prstGeom prst="rect">
-            <a:avLst/>
-          </a:prstGeom>
-        </p:spPr>
-      </p:pic>
-    </p:spTree>
-    <p:extLst>
-      <p:ext uri="{BB962C8B-B14F-4D97-AF65-F5344CB8AC3E}">
-        <p14:creationId xmlns:p14="http://schemas.microsoft.com/office/powerpoint/2010/main" val="2017923418"/>
-      </p:ext>
-    </p:extLst>
-  </p:cSld>
-  <p:clrMapOvr>
-    <a:masterClrMapping/>
-  </p:clrMapOvr>
-</p:sld>
-</file>
-
-<file path=ppt/slides/slide14.xml><?xml version="1.0" encoding="utf-8"?>
+<file path=ppt/slides/slide12.xml><?xml version="1.0" encoding="utf-8"?>
 <p:sld xmlns:a="http://schemas.openxmlformats.org/drawingml/2006/main" xmlns:r="http://schemas.openxmlformats.org/officeDocument/2006/relationships" xmlns:p="http://schemas.openxmlformats.org/presentationml/2006/main">
   <p:cSld>
     <p:spTree>
@@ -33598,7 +33240,7 @@
             <a:fld id="{6575370D-4E78-C44F-8DB3-41D140BF8DE9}" type="slidenum">
               <a:rPr lang="en-US" smtClean="0"/>
               <a:pPr/>
-              <a:t>14</a:t>
+              <a:t>12</a:t>
             </a:fld>
             <a:endParaRPr lang="en-US" dirty="0"/>
           </a:p>
@@ -34064,7 +33706,7 @@
 </p:sld>
 </file>
 
-<file path=ppt/slides/slide15.xml><?xml version="1.0" encoding="utf-8"?>
+<file path=ppt/slides/slide13.xml><?xml version="1.0" encoding="utf-8"?>
 <p:sld xmlns:a="http://schemas.openxmlformats.org/drawingml/2006/main" xmlns:r="http://schemas.openxmlformats.org/officeDocument/2006/relationships" xmlns:p="http://schemas.openxmlformats.org/presentationml/2006/main">
   <p:cSld>
     <p:spTree>
@@ -34166,7 +33808,7 @@
 </p:sld>
 </file>
 
-<file path=ppt/slides/slide16.xml><?xml version="1.0" encoding="utf-8"?>
+<file path=ppt/slides/slide14.xml><?xml version="1.0" encoding="utf-8"?>
 <p:sld xmlns:a="http://schemas.openxmlformats.org/drawingml/2006/main" xmlns:r="http://schemas.openxmlformats.org/officeDocument/2006/relationships" xmlns:p="http://schemas.openxmlformats.org/presentationml/2006/main">
   <p:cSld>
     <p:spTree>
@@ -34240,7 +33882,7 @@
             <a:fld id="{6575370D-4E78-C44F-8DB3-41D140BF8DE9}" type="slidenum">
               <a:rPr lang="en-US" smtClean="0"/>
               <a:pPr/>
-              <a:t>16</a:t>
+              <a:t>14</a:t>
             </a:fld>
             <a:endParaRPr lang="en-US" dirty="0"/>
           </a:p>
@@ -34361,7 +34003,7 @@
 </p:sld>
 </file>
 
-<file path=ppt/slides/slide17.xml><?xml version="1.0" encoding="utf-8"?>
+<file path=ppt/slides/slide15.xml><?xml version="1.0" encoding="utf-8"?>
 <p:sld xmlns:a="http://schemas.openxmlformats.org/drawingml/2006/main" xmlns:r="http://schemas.openxmlformats.org/officeDocument/2006/relationships" xmlns:p="http://schemas.openxmlformats.org/presentationml/2006/main">
   <p:cSld>
     <p:spTree>
@@ -34435,7 +34077,7 @@
             <a:fld id="{6575370D-4E78-C44F-8DB3-41D140BF8DE9}" type="slidenum">
               <a:rPr lang="en-US" smtClean="0"/>
               <a:pPr/>
-              <a:t>17</a:t>
+              <a:t>15</a:t>
             </a:fld>
             <a:endParaRPr lang="en-US" dirty="0"/>
           </a:p>
@@ -34670,7 +34312,7 @@
 </p:sld>
 </file>
 
-<file path=ppt/slides/slide18.xml><?xml version="1.0" encoding="utf-8"?>
+<file path=ppt/slides/slide16.xml><?xml version="1.0" encoding="utf-8"?>
 <p:sld xmlns:a="http://schemas.openxmlformats.org/drawingml/2006/main" xmlns:r="http://schemas.openxmlformats.org/officeDocument/2006/relationships" xmlns:p="http://schemas.openxmlformats.org/presentationml/2006/main">
   <p:cSld>
     <p:spTree>
@@ -34744,7 +34386,7 @@
             <a:fld id="{6575370D-4E78-C44F-8DB3-41D140BF8DE9}" type="slidenum">
               <a:rPr lang="en-US" smtClean="0"/>
               <a:pPr/>
-              <a:t>18</a:t>
+              <a:t>16</a:t>
             </a:fld>
             <a:endParaRPr lang="en-US" dirty="0"/>
           </a:p>
@@ -35090,7 +34732,7 @@
 </p:sld>
 </file>
 
-<file path=ppt/slides/slide19.xml><?xml version="1.0" encoding="utf-8"?>
+<file path=ppt/slides/slide17.xml><?xml version="1.0" encoding="utf-8"?>
 <p:sld xmlns:a="http://schemas.openxmlformats.org/drawingml/2006/main" xmlns:r="http://schemas.openxmlformats.org/officeDocument/2006/relationships" xmlns:p="http://schemas.openxmlformats.org/presentationml/2006/main">
   <p:cSld>
     <p:spTree>
@@ -35164,7 +34806,7 @@
             <a:fld id="{6575370D-4E78-C44F-8DB3-41D140BF8DE9}" type="slidenum">
               <a:rPr lang="en-US" smtClean="0"/>
               <a:pPr/>
-              <a:t>19</a:t>
+              <a:t>17</a:t>
             </a:fld>
             <a:endParaRPr lang="en-US" dirty="0"/>
           </a:p>
@@ -35605,6 +35247,392 @@
 </p:sld>
 </file>
 
+<file path=ppt/slides/slide18.xml><?xml version="1.0" encoding="utf-8"?>
+<p:sld xmlns:a="http://schemas.openxmlformats.org/drawingml/2006/main" xmlns:r="http://schemas.openxmlformats.org/officeDocument/2006/relationships" xmlns:p="http://schemas.openxmlformats.org/presentationml/2006/main" show="0">
+  <p:cSld>
+    <p:spTree>
+      <p:nvGrpSpPr>
+        <p:cNvPr id="1" name=""/>
+        <p:cNvGrpSpPr/>
+        <p:nvPr/>
+      </p:nvGrpSpPr>
+      <p:grpSpPr>
+        <a:xfrm>
+          <a:off x="0" y="0"/>
+          <a:ext cx="0" cy="0"/>
+          <a:chOff x="0" y="0"/>
+          <a:chExt cx="0" cy="0"/>
+        </a:xfrm>
+      </p:grpSpPr>
+      <p:sp>
+        <p:nvSpPr>
+          <p:cNvPr id="2" name="Title 1">
+            <a:extLst>
+              <a:ext uri="{FF2B5EF4-FFF2-40B4-BE49-F238E27FC236}">
+                <a16:creationId xmlns:a16="http://schemas.microsoft.com/office/drawing/2014/main" id="{2BA45251-F191-294B-9B0D-A894AFEDAC99}"/>
+              </a:ext>
+            </a:extLst>
+          </p:cNvPr>
+          <p:cNvSpPr>
+            <a:spLocks noGrp="1"/>
+          </p:cNvSpPr>
+          <p:nvPr>
+            <p:ph type="title"/>
+          </p:nvPr>
+        </p:nvSpPr>
+        <p:spPr/>
+        <p:txBody>
+          <a:bodyPr/>
+          <a:lstStyle/>
+          <a:p>
+            <a:endParaRPr lang="en-US"/>
+          </a:p>
+        </p:txBody>
+      </p:sp>
+      <p:sp>
+        <p:nvSpPr>
+          <p:cNvPr id="3" name="Content Placeholder 2">
+            <a:extLst>
+              <a:ext uri="{FF2B5EF4-FFF2-40B4-BE49-F238E27FC236}">
+                <a16:creationId xmlns:a16="http://schemas.microsoft.com/office/drawing/2014/main" id="{3FA94EEE-4DAD-E344-B297-11CCDE3C5EEE}"/>
+              </a:ext>
+            </a:extLst>
+          </p:cNvPr>
+          <p:cNvSpPr>
+            <a:spLocks noGrp="1"/>
+          </p:cNvSpPr>
+          <p:nvPr>
+            <p:ph sz="quarter" idx="10"/>
+          </p:nvPr>
+        </p:nvSpPr>
+        <p:spPr/>
+        <p:txBody>
+          <a:bodyPr>
+            <a:normAutofit fontScale="55000" lnSpcReduction="20000"/>
+          </a:bodyPr>
+          <a:lstStyle/>
+          <a:p>
+            <a:r>
+              <a:rPr lang="en-US" dirty="0"/>
+              <a:t>People</a:t>
+            </a:r>
+          </a:p>
+          <a:p>
+            <a:pPr lvl="1"/>
+            <a:r>
+              <a:rPr lang="en-US" dirty="0"/>
+              <a:t>Shared Vision:  Technology and Business with a Shared Vision of what is acceptable and what is not.</a:t>
+            </a:r>
+          </a:p>
+          <a:p>
+            <a:pPr lvl="1"/>
+            <a:r>
+              <a:rPr lang="en-US" dirty="0"/>
+              <a:t>Continuous Learning for everyone (Business, Executives, Developers, Agile Coaches, </a:t>
+            </a:r>
+            <a:r>
+              <a:rPr lang="en-US" dirty="0" err="1"/>
+              <a:t>etc</a:t>
+            </a:r>
+            <a:r>
+              <a:rPr lang="en-US" dirty="0"/>
+              <a:t>…)</a:t>
+            </a:r>
+          </a:p>
+          <a:p>
+            <a:pPr lvl="1"/>
+            <a:r>
+              <a:rPr lang="en-US" dirty="0"/>
+              <a:t>Developers: Deep Technical Training on Source Code Security Vulnerabilities (OWASP TOP 10) and the X as Code (e.g. Building Secure Docker containers, Networking, </a:t>
+            </a:r>
+            <a:r>
+              <a:rPr lang="en-US" dirty="0" err="1"/>
+              <a:t>etc</a:t>
+            </a:r>
+            <a:r>
+              <a:rPr lang="en-US" dirty="0"/>
+              <a:t>…)</a:t>
+            </a:r>
+          </a:p>
+          <a:p>
+            <a:r>
+              <a:rPr lang="en-US" dirty="0"/>
+              <a:t>Processes</a:t>
+            </a:r>
+          </a:p>
+          <a:p>
+            <a:pPr lvl="1"/>
+            <a:r>
+              <a:rPr lang="en-US" dirty="0"/>
+              <a:t>Engineering Excellence:  DevOps, Agile, </a:t>
+            </a:r>
+            <a:r>
+              <a:rPr lang="en-US" dirty="0" err="1"/>
+              <a:t>etc</a:t>
+            </a:r>
+            <a:r>
+              <a:rPr lang="en-US" dirty="0"/>
+              <a:t>…</a:t>
+            </a:r>
+          </a:p>
+          <a:p>
+            <a:pPr lvl="1"/>
+            <a:r>
+              <a:rPr lang="en-US" dirty="0"/>
+              <a:t>Automate everything</a:t>
+            </a:r>
+          </a:p>
+          <a:p>
+            <a:r>
+              <a:rPr lang="en-US" dirty="0"/>
+              <a:t>Tools</a:t>
+            </a:r>
+          </a:p>
+          <a:p>
+            <a:pPr lvl="1"/>
+            <a:r>
+              <a:rPr lang="en-US" dirty="0"/>
+              <a:t>What Tools are within the strategic long term direction of the company and which are required today.</a:t>
+            </a:r>
+          </a:p>
+          <a:p>
+            <a:pPr lvl="1"/>
+            <a:r>
+              <a:rPr lang="en-US" dirty="0"/>
+              <a:t>Everything as Code</a:t>
+            </a:r>
+          </a:p>
+        </p:txBody>
+      </p:sp>
+      <p:sp>
+        <p:nvSpPr>
+          <p:cNvPr id="4" name="Slide Number Placeholder 3">
+            <a:extLst>
+              <a:ext uri="{FF2B5EF4-FFF2-40B4-BE49-F238E27FC236}">
+                <a16:creationId xmlns:a16="http://schemas.microsoft.com/office/drawing/2014/main" id="{FA1C2F60-449C-E045-970C-10350FF58D40}"/>
+              </a:ext>
+            </a:extLst>
+          </p:cNvPr>
+          <p:cNvSpPr>
+            <a:spLocks noGrp="1"/>
+          </p:cNvSpPr>
+          <p:nvPr>
+            <p:ph type="sldNum" sz="quarter" idx="11"/>
+          </p:nvPr>
+        </p:nvSpPr>
+        <p:spPr/>
+        <p:txBody>
+          <a:bodyPr/>
+          <a:lstStyle/>
+          <a:p>
+            <a:fld id="{6575370D-4E78-C44F-8DB3-41D140BF8DE9}" type="slidenum">
+              <a:rPr lang="en-US" smtClean="0"/>
+              <a:pPr/>
+              <a:t>18</a:t>
+            </a:fld>
+            <a:endParaRPr lang="en-US" dirty="0"/>
+          </a:p>
+        </p:txBody>
+      </p:sp>
+    </p:spTree>
+    <p:extLst>
+      <p:ext uri="{BB962C8B-B14F-4D97-AF65-F5344CB8AC3E}">
+        <p14:creationId xmlns:p14="http://schemas.microsoft.com/office/powerpoint/2010/main" val="658326706"/>
+      </p:ext>
+    </p:extLst>
+  </p:cSld>
+  <p:clrMapOvr>
+    <a:masterClrMapping/>
+  </p:clrMapOvr>
+</p:sld>
+</file>
+
+<file path=ppt/slides/slide19.xml><?xml version="1.0" encoding="utf-8"?>
+<p:sld xmlns:a="http://schemas.openxmlformats.org/drawingml/2006/main" xmlns:r="http://schemas.openxmlformats.org/officeDocument/2006/relationships" xmlns:p="http://schemas.openxmlformats.org/presentationml/2006/main" show="0">
+  <p:cSld>
+    <p:spTree>
+      <p:nvGrpSpPr>
+        <p:cNvPr id="1" name=""/>
+        <p:cNvGrpSpPr/>
+        <p:nvPr/>
+      </p:nvGrpSpPr>
+      <p:grpSpPr>
+        <a:xfrm>
+          <a:off x="0" y="0"/>
+          <a:ext cx="0" cy="0"/>
+          <a:chOff x="0" y="0"/>
+          <a:chExt cx="0" cy="0"/>
+        </a:xfrm>
+      </p:grpSpPr>
+      <p:sp>
+        <p:nvSpPr>
+          <p:cNvPr id="2" name="Title 1">
+            <a:extLst>
+              <a:ext uri="{FF2B5EF4-FFF2-40B4-BE49-F238E27FC236}">
+                <a16:creationId xmlns:a16="http://schemas.microsoft.com/office/drawing/2014/main" id="{F6D15655-3073-E740-9FE7-09A16DCD26A3}"/>
+              </a:ext>
+            </a:extLst>
+          </p:cNvPr>
+          <p:cNvSpPr>
+            <a:spLocks noGrp="1"/>
+          </p:cNvSpPr>
+          <p:nvPr>
+            <p:ph type="title"/>
+          </p:nvPr>
+        </p:nvSpPr>
+        <p:spPr>
+          <a:xfrm>
+            <a:off x="694944" y="305473"/>
+            <a:ext cx="7991856" cy="473202"/>
+          </a:xfrm>
+        </p:spPr>
+        <p:txBody>
+          <a:bodyPr/>
+          <a:lstStyle/>
+          <a:p>
+            <a:r>
+              <a:rPr lang="en-US" dirty="0"/>
+              <a:t>Developers – The First Line of Defense</a:t>
+            </a:r>
+          </a:p>
+        </p:txBody>
+      </p:sp>
+      <p:sp>
+        <p:nvSpPr>
+          <p:cNvPr id="3" name="Content Placeholder 2">
+            <a:extLst>
+              <a:ext uri="{FF2B5EF4-FFF2-40B4-BE49-F238E27FC236}">
+                <a16:creationId xmlns:a16="http://schemas.microsoft.com/office/drawing/2014/main" id="{7D8B9FB6-F7AA-6A4E-89A8-271C0B0E7958}"/>
+              </a:ext>
+            </a:extLst>
+          </p:cNvPr>
+          <p:cNvSpPr>
+            <a:spLocks noGrp="1"/>
+          </p:cNvSpPr>
+          <p:nvPr>
+            <p:ph sz="quarter" idx="10"/>
+          </p:nvPr>
+        </p:nvSpPr>
+        <p:spPr>
+          <a:ln>
+            <a:solidFill>
+              <a:schemeClr val="accent1"/>
+            </a:solidFill>
+          </a:ln>
+        </p:spPr>
+        <p:txBody>
+          <a:bodyPr>
+            <a:normAutofit fontScale="92500"/>
+          </a:bodyPr>
+          <a:lstStyle/>
+          <a:p>
+            <a:pPr marL="0" indent="0">
+              <a:buNone/>
+            </a:pPr>
+            <a:r>
+              <a:rPr lang="en-US" dirty="0"/>
+              <a:t>With the “everything as code” movement Developers become more responsible for protecting against vulnerabilities than ever before.  They become the 1</a:t>
+            </a:r>
+            <a:r>
+              <a:rPr lang="en-US" baseline="30000" dirty="0"/>
+              <a:t>st</a:t>
+            </a:r>
+            <a:r>
+              <a:rPr lang="en-US" dirty="0"/>
+              <a:t> line of defense.</a:t>
+            </a:r>
+          </a:p>
+          <a:p>
+            <a:r>
+              <a:rPr lang="en-US" dirty="0"/>
+              <a:t>Application </a:t>
+            </a:r>
+            <a:r>
+              <a:rPr lang="en-US" dirty="0">
+                <a:solidFill>
+                  <a:schemeClr val="accent1"/>
+                </a:solidFill>
+              </a:rPr>
+              <a:t>Code</a:t>
+            </a:r>
+          </a:p>
+          <a:p>
+            <a:r>
+              <a:rPr lang="en-US" dirty="0"/>
+              <a:t>Infrastructure as </a:t>
+            </a:r>
+            <a:r>
+              <a:rPr lang="en-US" dirty="0">
+                <a:solidFill>
+                  <a:schemeClr val="accent1"/>
+                </a:solidFill>
+              </a:rPr>
+              <a:t>Code</a:t>
+            </a:r>
+            <a:r>
+              <a:rPr lang="en-US" dirty="0"/>
+              <a:t>/Configuration/Networking</a:t>
+            </a:r>
+          </a:p>
+          <a:p>
+            <a:r>
+              <a:rPr lang="en-US" b="1" i="1" dirty="0"/>
+              <a:t>Pipeline as </a:t>
+            </a:r>
+            <a:r>
+              <a:rPr lang="en-US" b="1" i="1" dirty="0">
+                <a:solidFill>
+                  <a:schemeClr val="accent1"/>
+                </a:solidFill>
+              </a:rPr>
+              <a:t>Code</a:t>
+            </a:r>
+          </a:p>
+        </p:txBody>
+      </p:sp>
+      <p:sp>
+        <p:nvSpPr>
+          <p:cNvPr id="4" name="Slide Number Placeholder 3">
+            <a:extLst>
+              <a:ext uri="{FF2B5EF4-FFF2-40B4-BE49-F238E27FC236}">
+                <a16:creationId xmlns:a16="http://schemas.microsoft.com/office/drawing/2014/main" id="{8D18576C-0470-0C4A-A1BF-837D17215341}"/>
+              </a:ext>
+            </a:extLst>
+          </p:cNvPr>
+          <p:cNvSpPr>
+            <a:spLocks noGrp="1"/>
+          </p:cNvSpPr>
+          <p:nvPr>
+            <p:ph type="sldNum" sz="quarter" idx="11"/>
+          </p:nvPr>
+        </p:nvSpPr>
+        <p:spPr/>
+        <p:txBody>
+          <a:bodyPr/>
+          <a:lstStyle/>
+          <a:p>
+            <a:fld id="{6575370D-4E78-C44F-8DB3-41D140BF8DE9}" type="slidenum">
+              <a:rPr lang="en-US" smtClean="0"/>
+              <a:pPr/>
+              <a:t>19</a:t>
+            </a:fld>
+            <a:endParaRPr lang="en-US" dirty="0"/>
+          </a:p>
+        </p:txBody>
+      </p:sp>
+    </p:spTree>
+    <p:extLst>
+      <p:ext uri="{BB962C8B-B14F-4D97-AF65-F5344CB8AC3E}">
+        <p14:creationId xmlns:p14="http://schemas.microsoft.com/office/powerpoint/2010/main" val="3355667226"/>
+      </p:ext>
+    </p:extLst>
+  </p:cSld>
+  <p:clrMapOvr>
+    <a:masterClrMapping/>
+  </p:clrMapOvr>
+</p:sld>
+</file>
+
 <file path=ppt/slides/slide2.xml><?xml version="1.0" encoding="utf-8"?>
 <p:sld xmlns:a="http://schemas.openxmlformats.org/drawingml/2006/main" xmlns:r="http://schemas.openxmlformats.org/officeDocument/2006/relationships" xmlns:p="http://schemas.openxmlformats.org/presentationml/2006/main">
   <p:cSld>
@@ -35674,7 +35702,7 @@
         </p:spPr>
         <p:txBody>
           <a:bodyPr>
-            <a:normAutofit fontScale="70000" lnSpcReduction="20000"/>
+            <a:normAutofit fontScale="62500" lnSpcReduction="20000"/>
           </a:bodyPr>
           <a:lstStyle/>
           <a:p>
@@ -35683,7 +35711,7 @@
             </a:pPr>
             <a:r>
               <a:rPr lang="en-US" dirty="0"/>
-              <a:t>DevOps Transformation Architect / DevOps Evangelist</a:t>
+              <a:t>DevOps Transformation Enterprise Architect / DevOps Evangelist</a:t>
             </a:r>
           </a:p>
           <a:p>
@@ -35836,7 +35864,7 @@
 </file>
 
 <file path=ppt/slides/slide20.xml><?xml version="1.0" encoding="utf-8"?>
-<p:sld xmlns:a="http://schemas.openxmlformats.org/drawingml/2006/main" xmlns:r="http://schemas.openxmlformats.org/officeDocument/2006/relationships" xmlns:p="http://schemas.openxmlformats.org/presentationml/2006/main" show="0">
+<p:sld xmlns:a="http://schemas.openxmlformats.org/drawingml/2006/main" xmlns:r="http://schemas.openxmlformats.org/officeDocument/2006/relationships" xmlns:p="http://schemas.openxmlformats.org/presentationml/2006/main">
   <p:cSld>
     <p:spTree>
       <p:nvGrpSpPr>
@@ -35854,178 +35882,38 @@
       </p:grpSpPr>
       <p:sp>
         <p:nvSpPr>
-          <p:cNvPr id="2" name="Title 1">
-            <a:extLst>
-              <a:ext uri="{FF2B5EF4-FFF2-40B4-BE49-F238E27FC236}">
-                <a16:creationId xmlns:a16="http://schemas.microsoft.com/office/drawing/2014/main" id="{2BA45251-F191-294B-9B0D-A894AFEDAC99}"/>
-              </a:ext>
-            </a:extLst>
-          </p:cNvPr>
+          <p:cNvPr id="11" name="Text Placeholder 10"/>
           <p:cNvSpPr>
             <a:spLocks noGrp="1"/>
           </p:cNvSpPr>
           <p:nvPr>
-            <p:ph type="title"/>
+            <p:ph type="body" sz="quarter" idx="12"/>
           </p:nvPr>
         </p:nvSpPr>
-        <p:spPr/>
+        <p:spPr>
+          <a:xfrm>
+            <a:off x="1660525" y="1387403"/>
+            <a:ext cx="5822950" cy="2181102"/>
+          </a:xfrm>
+        </p:spPr>
         <p:txBody>
           <a:bodyPr/>
           <a:lstStyle/>
           <a:p>
-            <a:endParaRPr lang="en-US"/>
-          </a:p>
-        </p:txBody>
-      </p:sp>
-      <p:sp>
-        <p:nvSpPr>
-          <p:cNvPr id="3" name="Content Placeholder 2">
-            <a:extLst>
-              <a:ext uri="{FF2B5EF4-FFF2-40B4-BE49-F238E27FC236}">
-                <a16:creationId xmlns:a16="http://schemas.microsoft.com/office/drawing/2014/main" id="{3FA94EEE-4DAD-E344-B297-11CCDE3C5EEE}"/>
-              </a:ext>
-            </a:extLst>
-          </p:cNvPr>
-          <p:cNvSpPr>
-            <a:spLocks noGrp="1"/>
-          </p:cNvSpPr>
-          <p:nvPr>
-            <p:ph sz="quarter" idx="10"/>
-          </p:nvPr>
-        </p:nvSpPr>
-        <p:spPr/>
-        <p:txBody>
-          <a:bodyPr>
-            <a:normAutofit fontScale="55000" lnSpcReduction="20000"/>
-          </a:bodyPr>
-          <a:lstStyle/>
-          <a:p>
-            <a:r>
-              <a:rPr lang="en-US" dirty="0"/>
-              <a:t>People</a:t>
-            </a:r>
-          </a:p>
-          <a:p>
-            <a:pPr lvl="1"/>
-            <a:r>
-              <a:rPr lang="en-US" dirty="0"/>
-              <a:t>Shared Vision:  Technology and Business with a Shared Vision of what is acceptable and what is not.</a:t>
-            </a:r>
-          </a:p>
-          <a:p>
-            <a:pPr lvl="1"/>
-            <a:r>
-              <a:rPr lang="en-US" dirty="0"/>
-              <a:t>Continuous Learning for everyone (Business, Executives, Developers, Agile Coaches, </a:t>
-            </a:r>
-            <a:r>
-              <a:rPr lang="en-US" dirty="0" err="1"/>
-              <a:t>etc</a:t>
-            </a:r>
-            <a:r>
-              <a:rPr lang="en-US" dirty="0"/>
-              <a:t>…)</a:t>
-            </a:r>
-          </a:p>
-          <a:p>
-            <a:pPr lvl="1"/>
-            <a:r>
-              <a:rPr lang="en-US" dirty="0"/>
-              <a:t>Developers: Deep Technical Training on Source Code Security Vulnerabilities (OWASP TOP 10) and the X as Code (e.g. Building Secure Docker containers, Networking, </a:t>
-            </a:r>
-            <a:r>
-              <a:rPr lang="en-US" dirty="0" err="1"/>
-              <a:t>etc</a:t>
-            </a:r>
-            <a:r>
-              <a:rPr lang="en-US" dirty="0"/>
-              <a:t>…)</a:t>
-            </a:r>
-          </a:p>
-          <a:p>
-            <a:r>
-              <a:rPr lang="en-US" dirty="0"/>
-              <a:t>Processes</a:t>
-            </a:r>
-          </a:p>
-          <a:p>
-            <a:pPr lvl="1"/>
-            <a:r>
-              <a:rPr lang="en-US" dirty="0"/>
-              <a:t>Engineering Excellence:  DevOps, Agile, </a:t>
-            </a:r>
-            <a:r>
-              <a:rPr lang="en-US" dirty="0" err="1"/>
-              <a:t>etc</a:t>
-            </a:r>
-            <a:r>
-              <a:rPr lang="en-US" dirty="0"/>
-              <a:t>…</a:t>
-            </a:r>
-          </a:p>
-          <a:p>
-            <a:pPr lvl="1"/>
-            <a:r>
-              <a:rPr lang="en-US" dirty="0"/>
-              <a:t>Automate everything</a:t>
-            </a:r>
-          </a:p>
-          <a:p>
-            <a:r>
-              <a:rPr lang="en-US" dirty="0"/>
-              <a:t>Tools</a:t>
-            </a:r>
-          </a:p>
-          <a:p>
-            <a:pPr lvl="1"/>
-            <a:r>
-              <a:rPr lang="en-US" dirty="0"/>
-              <a:t>What Tools are within the strategic long term direction of the company and which are required today.</a:t>
-            </a:r>
-          </a:p>
-          <a:p>
-            <a:pPr lvl="1"/>
-            <a:r>
-              <a:rPr lang="en-US" dirty="0"/>
-              <a:t>Everything as Code</a:t>
-            </a:r>
-          </a:p>
-        </p:txBody>
-      </p:sp>
-      <p:sp>
-        <p:nvSpPr>
-          <p:cNvPr id="4" name="Slide Number Placeholder 3">
-            <a:extLst>
-              <a:ext uri="{FF2B5EF4-FFF2-40B4-BE49-F238E27FC236}">
-                <a16:creationId xmlns:a16="http://schemas.microsoft.com/office/drawing/2014/main" id="{FA1C2F60-449C-E045-970C-10350FF58D40}"/>
-              </a:ext>
-            </a:extLst>
-          </p:cNvPr>
-          <p:cNvSpPr>
-            <a:spLocks noGrp="1"/>
-          </p:cNvSpPr>
-          <p:nvPr>
-            <p:ph type="sldNum" sz="quarter" idx="11"/>
-          </p:nvPr>
-        </p:nvSpPr>
-        <p:spPr/>
-        <p:txBody>
-          <a:bodyPr/>
-          <a:lstStyle/>
-          <a:p>
-            <a:fld id="{6575370D-4E78-C44F-8DB3-41D140BF8DE9}" type="slidenum">
-              <a:rPr lang="en-US" smtClean="0"/>
-              <a:pPr/>
-              <a:t>20</a:t>
-            </a:fld>
-            <a:endParaRPr lang="en-US" dirty="0"/>
+            <a:r>
+              <a:rPr lang="en-US" sz="4400" b="1" dirty="0"/>
+              <a:t>Security in the Pipeline</a:t>
+            </a:r>
+          </a:p>
+          <a:p>
+            <a:endParaRPr lang="en-US" sz="4400" b="1" dirty="0"/>
           </a:p>
         </p:txBody>
       </p:sp>
     </p:spTree>
     <p:extLst>
       <p:ext uri="{BB962C8B-B14F-4D97-AF65-F5344CB8AC3E}">
-        <p14:creationId xmlns:p14="http://schemas.microsoft.com/office/powerpoint/2010/main" val="658326706"/>
+        <p14:creationId xmlns:p14="http://schemas.microsoft.com/office/powerpoint/2010/main" val="2647343334"/>
       </p:ext>
     </p:extLst>
   </p:cSld>
@@ -36036,7 +35924,7 @@
 </file>
 
 <file path=ppt/slides/slide21.xml><?xml version="1.0" encoding="utf-8"?>
-<p:sld xmlns:a="http://schemas.openxmlformats.org/drawingml/2006/main" xmlns:r="http://schemas.openxmlformats.org/officeDocument/2006/relationships" xmlns:p="http://schemas.openxmlformats.org/presentationml/2006/main" show="0">
+<p:sld xmlns:a="http://schemas.openxmlformats.org/drawingml/2006/main" xmlns:r="http://schemas.openxmlformats.org/officeDocument/2006/relationships" xmlns:p="http://schemas.openxmlformats.org/presentationml/2006/main">
   <p:cSld>
     <p:spTree>
       <p:nvGrpSpPr>
@@ -36054,24 +35942,18 @@
       </p:grpSpPr>
       <p:sp>
         <p:nvSpPr>
-          <p:cNvPr id="2" name="Title 1">
-            <a:extLst>
-              <a:ext uri="{FF2B5EF4-FFF2-40B4-BE49-F238E27FC236}">
-                <a16:creationId xmlns:a16="http://schemas.microsoft.com/office/drawing/2014/main" id="{F6D15655-3073-E740-9FE7-09A16DCD26A3}"/>
-              </a:ext>
-            </a:extLst>
-          </p:cNvPr>
+          <p:cNvPr id="11" name="Text Placeholder 10"/>
           <p:cNvSpPr>
             <a:spLocks noGrp="1"/>
           </p:cNvSpPr>
           <p:nvPr>
-            <p:ph type="title"/>
+            <p:ph type="body" sz="quarter" idx="12"/>
           </p:nvPr>
         </p:nvSpPr>
         <p:spPr>
           <a:xfrm>
-            <a:off x="694944" y="305473"/>
-            <a:ext cx="7991856" cy="473202"/>
+            <a:off x="1660525" y="1387403"/>
+            <a:ext cx="5822950" cy="2181102"/>
           </a:xfrm>
         </p:spPr>
         <p:txBody>
@@ -36079,139 +35961,25 @@
           <a:lstStyle/>
           <a:p>
             <a:r>
-              <a:rPr lang="en-US" dirty="0"/>
-              <a:t>Developers – The First Line of Defense</a:t>
-            </a:r>
-          </a:p>
-        </p:txBody>
-      </p:sp>
-      <p:sp>
-        <p:nvSpPr>
-          <p:cNvPr id="3" name="Content Placeholder 2">
-            <a:extLst>
-              <a:ext uri="{FF2B5EF4-FFF2-40B4-BE49-F238E27FC236}">
-                <a16:creationId xmlns:a16="http://schemas.microsoft.com/office/drawing/2014/main" id="{7D8B9FB6-F7AA-6A4E-89A8-271C0B0E7958}"/>
-              </a:ext>
-            </a:extLst>
-          </p:cNvPr>
-          <p:cNvSpPr>
-            <a:spLocks noGrp="1"/>
-          </p:cNvSpPr>
-          <p:nvPr>
-            <p:ph sz="quarter" idx="10"/>
-          </p:nvPr>
-        </p:nvSpPr>
-        <p:spPr>
-          <a:ln>
-            <a:solidFill>
-              <a:schemeClr val="accent1"/>
-            </a:solidFill>
-          </a:ln>
-        </p:spPr>
-        <p:txBody>
-          <a:bodyPr>
-            <a:normAutofit fontScale="92500"/>
-          </a:bodyPr>
-          <a:lstStyle/>
-          <a:p>
-            <a:pPr marL="0" indent="0">
-              <a:buNone/>
-            </a:pPr>
-            <a:r>
-              <a:rPr lang="en-US" dirty="0"/>
-              <a:t>With the “everything as code” movement Developers become more responsible for protecting against vulnerabilities than ever before.  They become the 1</a:t>
-            </a:r>
-            <a:r>
-              <a:rPr lang="en-US" baseline="30000" dirty="0"/>
-              <a:t>st</a:t>
-            </a:r>
-            <a:r>
-              <a:rPr lang="en-US" dirty="0"/>
-              <a:t> line of defense.</a:t>
-            </a:r>
-          </a:p>
-          <a:p>
-            <a:r>
-              <a:rPr lang="en-US" dirty="0"/>
-              <a:t>Application </a:t>
-            </a:r>
-            <a:r>
-              <a:rPr lang="en-US" dirty="0">
-                <a:solidFill>
-                  <a:schemeClr val="accent1"/>
-                </a:solidFill>
-              </a:rPr>
-              <a:t>Code</a:t>
-            </a:r>
-          </a:p>
-          <a:p>
-            <a:r>
-              <a:rPr lang="en-US" dirty="0"/>
-              <a:t>Infrastructure as </a:t>
-            </a:r>
-            <a:r>
-              <a:rPr lang="en-US" dirty="0">
-                <a:solidFill>
-                  <a:schemeClr val="accent1"/>
-                </a:solidFill>
-              </a:rPr>
-              <a:t>Code</a:t>
-            </a:r>
-            <a:r>
-              <a:rPr lang="en-US" dirty="0"/>
-              <a:t>/Configuration/Networking</a:t>
-            </a:r>
-          </a:p>
-          <a:p>
-            <a:r>
-              <a:rPr lang="en-US" b="1" i="1" dirty="0"/>
-              <a:t>Pipeline as </a:t>
-            </a:r>
-            <a:r>
-              <a:rPr lang="en-US" b="1" i="1" dirty="0">
-                <a:solidFill>
-                  <a:schemeClr val="accent1"/>
-                </a:solidFill>
-              </a:rPr>
-              <a:t>Code</a:t>
-            </a:r>
-          </a:p>
-        </p:txBody>
-      </p:sp>
-      <p:sp>
-        <p:nvSpPr>
-          <p:cNvPr id="4" name="Slide Number Placeholder 3">
-            <a:extLst>
-              <a:ext uri="{FF2B5EF4-FFF2-40B4-BE49-F238E27FC236}">
-                <a16:creationId xmlns:a16="http://schemas.microsoft.com/office/drawing/2014/main" id="{8D18576C-0470-0C4A-A1BF-837D17215341}"/>
-              </a:ext>
-            </a:extLst>
-          </p:cNvPr>
-          <p:cNvSpPr>
-            <a:spLocks noGrp="1"/>
-          </p:cNvSpPr>
-          <p:nvPr>
-            <p:ph type="sldNum" sz="quarter" idx="11"/>
-          </p:nvPr>
-        </p:nvSpPr>
-        <p:spPr/>
-        <p:txBody>
-          <a:bodyPr/>
-          <a:lstStyle/>
-          <a:p>
-            <a:fld id="{6575370D-4E78-C44F-8DB3-41D140BF8DE9}" type="slidenum">
-              <a:rPr lang="en-US" smtClean="0"/>
-              <a:pPr/>
-              <a:t>21</a:t>
-            </a:fld>
-            <a:endParaRPr lang="en-US" dirty="0"/>
+              <a:rPr lang="en-US" sz="4400" b="1" dirty="0"/>
+              <a:t>Automation with a Pipeline</a:t>
+            </a:r>
+          </a:p>
+          <a:p>
+            <a:r>
+              <a:rPr lang="en-US" sz="4400" b="1" dirty="0"/>
+              <a:t>(CICD)</a:t>
+            </a:r>
+          </a:p>
+          <a:p>
+            <a:endParaRPr lang="en-US" sz="4400" b="1" dirty="0"/>
           </a:p>
         </p:txBody>
       </p:sp>
     </p:spTree>
     <p:extLst>
       <p:ext uri="{BB962C8B-B14F-4D97-AF65-F5344CB8AC3E}">
-        <p14:creationId xmlns:p14="http://schemas.microsoft.com/office/powerpoint/2010/main" val="3355667226"/>
+        <p14:creationId xmlns:p14="http://schemas.microsoft.com/office/powerpoint/2010/main" val="2967468001"/>
       </p:ext>
     </p:extLst>
   </p:cSld>
@@ -36240,132 +36008,6 @@
       </p:grpSpPr>
       <p:sp>
         <p:nvSpPr>
-          <p:cNvPr id="11" name="Text Placeholder 10"/>
-          <p:cNvSpPr>
-            <a:spLocks noGrp="1"/>
-          </p:cNvSpPr>
-          <p:nvPr>
-            <p:ph type="body" sz="quarter" idx="12"/>
-          </p:nvPr>
-        </p:nvSpPr>
-        <p:spPr>
-          <a:xfrm>
-            <a:off x="1660525" y="1387403"/>
-            <a:ext cx="5822950" cy="2181102"/>
-          </a:xfrm>
-        </p:spPr>
-        <p:txBody>
-          <a:bodyPr/>
-          <a:lstStyle/>
-          <a:p>
-            <a:r>
-              <a:rPr lang="en-US" sz="4400" b="1" dirty="0"/>
-              <a:t>Security in the Pipeline</a:t>
-            </a:r>
-          </a:p>
-          <a:p>
-            <a:endParaRPr lang="en-US" sz="4400" b="1" dirty="0"/>
-          </a:p>
-        </p:txBody>
-      </p:sp>
-    </p:spTree>
-    <p:extLst>
-      <p:ext uri="{BB962C8B-B14F-4D97-AF65-F5344CB8AC3E}">
-        <p14:creationId xmlns:p14="http://schemas.microsoft.com/office/powerpoint/2010/main" val="2647343334"/>
-      </p:ext>
-    </p:extLst>
-  </p:cSld>
-  <p:clrMapOvr>
-    <a:masterClrMapping/>
-  </p:clrMapOvr>
-</p:sld>
-</file>
-
-<file path=ppt/slides/slide23.xml><?xml version="1.0" encoding="utf-8"?>
-<p:sld xmlns:a="http://schemas.openxmlformats.org/drawingml/2006/main" xmlns:r="http://schemas.openxmlformats.org/officeDocument/2006/relationships" xmlns:p="http://schemas.openxmlformats.org/presentationml/2006/main">
-  <p:cSld>
-    <p:spTree>
-      <p:nvGrpSpPr>
-        <p:cNvPr id="1" name=""/>
-        <p:cNvGrpSpPr/>
-        <p:nvPr/>
-      </p:nvGrpSpPr>
-      <p:grpSpPr>
-        <a:xfrm>
-          <a:off x="0" y="0"/>
-          <a:ext cx="0" cy="0"/>
-          <a:chOff x="0" y="0"/>
-          <a:chExt cx="0" cy="0"/>
-        </a:xfrm>
-      </p:grpSpPr>
-      <p:sp>
-        <p:nvSpPr>
-          <p:cNvPr id="11" name="Text Placeholder 10"/>
-          <p:cNvSpPr>
-            <a:spLocks noGrp="1"/>
-          </p:cNvSpPr>
-          <p:nvPr>
-            <p:ph type="body" sz="quarter" idx="12"/>
-          </p:nvPr>
-        </p:nvSpPr>
-        <p:spPr>
-          <a:xfrm>
-            <a:off x="1660525" y="1387403"/>
-            <a:ext cx="5822950" cy="2181102"/>
-          </a:xfrm>
-        </p:spPr>
-        <p:txBody>
-          <a:bodyPr/>
-          <a:lstStyle/>
-          <a:p>
-            <a:r>
-              <a:rPr lang="en-US" sz="4400" b="1" dirty="0"/>
-              <a:t>Automation with a Pipeline</a:t>
-            </a:r>
-          </a:p>
-          <a:p>
-            <a:r>
-              <a:rPr lang="en-US" sz="4400" b="1" dirty="0"/>
-              <a:t>(CICD)</a:t>
-            </a:r>
-          </a:p>
-          <a:p>
-            <a:endParaRPr lang="en-US" sz="4400" b="1" dirty="0"/>
-          </a:p>
-        </p:txBody>
-      </p:sp>
-    </p:spTree>
-    <p:extLst>
-      <p:ext uri="{BB962C8B-B14F-4D97-AF65-F5344CB8AC3E}">
-        <p14:creationId xmlns:p14="http://schemas.microsoft.com/office/powerpoint/2010/main" val="2967468001"/>
-      </p:ext>
-    </p:extLst>
-  </p:cSld>
-  <p:clrMapOvr>
-    <a:masterClrMapping/>
-  </p:clrMapOvr>
-</p:sld>
-</file>
-
-<file path=ppt/slides/slide24.xml><?xml version="1.0" encoding="utf-8"?>
-<p:sld xmlns:a="http://schemas.openxmlformats.org/drawingml/2006/main" xmlns:r="http://schemas.openxmlformats.org/officeDocument/2006/relationships" xmlns:p="http://schemas.openxmlformats.org/presentationml/2006/main">
-  <p:cSld>
-    <p:spTree>
-      <p:nvGrpSpPr>
-        <p:cNvPr id="1" name=""/>
-        <p:cNvGrpSpPr/>
-        <p:nvPr/>
-      </p:nvGrpSpPr>
-      <p:grpSpPr>
-        <a:xfrm>
-          <a:off x="0" y="0"/>
-          <a:ext cx="0" cy="0"/>
-          <a:chOff x="0" y="0"/>
-          <a:chExt cx="0" cy="0"/>
-        </a:xfrm>
-      </p:grpSpPr>
-      <p:sp>
-        <p:nvSpPr>
           <p:cNvPr id="2" name="Title 1">
             <a:extLst>
               <a:ext uri="{FF2B5EF4-FFF2-40B4-BE49-F238E27FC236}">
@@ -36428,7 +36070,7 @@
             <a:fld id="{6575370D-4E78-C44F-8DB3-41D140BF8DE9}" type="slidenum">
               <a:rPr lang="en-US" smtClean="0"/>
               <a:pPr/>
-              <a:t>24</a:t>
+              <a:t>22</a:t>
             </a:fld>
             <a:endParaRPr lang="en-US" dirty="0"/>
           </a:p>
@@ -36479,7 +36121,7 @@
 </p:sld>
 </file>
 
-<file path=ppt/slides/slide25.xml><?xml version="1.0" encoding="utf-8"?>
+<file path=ppt/slides/slide23.xml><?xml version="1.0" encoding="utf-8"?>
 <p:sld xmlns:a="http://schemas.openxmlformats.org/drawingml/2006/main" xmlns:r="http://schemas.openxmlformats.org/officeDocument/2006/relationships" xmlns:p="http://schemas.openxmlformats.org/presentationml/2006/main">
   <p:cSld>
     <p:spTree>
@@ -36548,7 +36190,7 @@
             <a:fld id="{6575370D-4E78-C44F-8DB3-41D140BF8DE9}" type="slidenum">
               <a:rPr lang="en-US" smtClean="0"/>
               <a:pPr/>
-              <a:t>25</a:t>
+              <a:t>23</a:t>
             </a:fld>
             <a:endParaRPr lang="en-US" dirty="0"/>
           </a:p>
@@ -36599,7 +36241,7 @@
 </p:sld>
 </file>
 
-<file path=ppt/slides/slide26.xml><?xml version="1.0" encoding="utf-8"?>
+<file path=ppt/slides/slide24.xml><?xml version="1.0" encoding="utf-8"?>
 <p:sld xmlns:a="http://schemas.openxmlformats.org/drawingml/2006/main" xmlns:r="http://schemas.openxmlformats.org/officeDocument/2006/relationships" xmlns:p="http://schemas.openxmlformats.org/presentationml/2006/main">
   <p:cSld>
     <p:spTree>
@@ -36668,7 +36310,7 @@
             <a:fld id="{6575370D-4E78-C44F-8DB3-41D140BF8DE9}" type="slidenum">
               <a:rPr lang="en-US" smtClean="0"/>
               <a:pPr/>
-              <a:t>26</a:t>
+              <a:t>24</a:t>
             </a:fld>
             <a:endParaRPr lang="en-US" dirty="0"/>
           </a:p>
@@ -36719,7 +36361,7 @@
 </p:sld>
 </file>
 
-<file path=ppt/slides/slide27.xml><?xml version="1.0" encoding="utf-8"?>
+<file path=ppt/slides/slide25.xml><?xml version="1.0" encoding="utf-8"?>
 <p:sld xmlns:a="http://schemas.openxmlformats.org/drawingml/2006/main" xmlns:r="http://schemas.openxmlformats.org/officeDocument/2006/relationships" xmlns:p="http://schemas.openxmlformats.org/presentationml/2006/main">
   <p:cSld>
     <p:spTree>
@@ -36779,7 +36421,7 @@
 </p:sld>
 </file>
 
-<file path=ppt/slides/slide28.xml><?xml version="1.0" encoding="utf-8"?>
+<file path=ppt/slides/slide26.xml><?xml version="1.0" encoding="utf-8"?>
 <p:sld xmlns:a="http://schemas.openxmlformats.org/drawingml/2006/main" xmlns:r="http://schemas.openxmlformats.org/officeDocument/2006/relationships" xmlns:p="http://schemas.openxmlformats.org/presentationml/2006/main">
   <p:cSld>
     <p:spTree>
@@ -37381,7 +37023,7 @@
 </p:sld>
 </file>
 
-<file path=ppt/slides/slide29.xml><?xml version="1.0" encoding="utf-8"?>
+<file path=ppt/slides/slide27.xml><?xml version="1.0" encoding="utf-8"?>
 <p:sld xmlns:a="http://schemas.openxmlformats.org/drawingml/2006/main" xmlns:r="http://schemas.openxmlformats.org/officeDocument/2006/relationships" xmlns:p="http://schemas.openxmlformats.org/presentationml/2006/main">
   <p:cSld>
     <p:spTree>
@@ -38165,155 +37807,7 @@
 </p:sld>
 </file>
 
-<file path=ppt/slides/slide3.xml><?xml version="1.0" encoding="utf-8"?>
-<p:sld xmlns:a="http://schemas.openxmlformats.org/drawingml/2006/main" xmlns:r="http://schemas.openxmlformats.org/officeDocument/2006/relationships" xmlns:p="http://schemas.openxmlformats.org/presentationml/2006/main">
-  <p:cSld>
-    <p:spTree>
-      <p:nvGrpSpPr>
-        <p:cNvPr id="1" name=""/>
-        <p:cNvGrpSpPr/>
-        <p:nvPr/>
-      </p:nvGrpSpPr>
-      <p:grpSpPr>
-        <a:xfrm>
-          <a:off x="0" y="0"/>
-          <a:ext cx="0" cy="0"/>
-          <a:chOff x="0" y="0"/>
-          <a:chExt cx="0" cy="0"/>
-        </a:xfrm>
-      </p:grpSpPr>
-      <p:sp>
-        <p:nvSpPr>
-          <p:cNvPr id="2" name="Title 1">
-            <a:extLst>
-              <a:ext uri="{FF2B5EF4-FFF2-40B4-BE49-F238E27FC236}">
-                <a16:creationId xmlns:a16="http://schemas.microsoft.com/office/drawing/2014/main" id="{050932E3-AE00-3E47-AF92-567D0F4135FE}"/>
-              </a:ext>
-            </a:extLst>
-          </p:cNvPr>
-          <p:cNvSpPr>
-            <a:spLocks noGrp="1"/>
-          </p:cNvSpPr>
-          <p:nvPr>
-            <p:ph type="title"/>
-          </p:nvPr>
-        </p:nvSpPr>
-        <p:spPr/>
-        <p:txBody>
-          <a:bodyPr/>
-          <a:lstStyle/>
-          <a:p>
-            <a:r>
-              <a:rPr lang="en-US" dirty="0"/>
-              <a:t>What is a Zero Day Attack</a:t>
-            </a:r>
-          </a:p>
-        </p:txBody>
-      </p:sp>
-      <p:sp>
-        <p:nvSpPr>
-          <p:cNvPr id="3" name="Content Placeholder 2">
-            <a:extLst>
-              <a:ext uri="{FF2B5EF4-FFF2-40B4-BE49-F238E27FC236}">
-                <a16:creationId xmlns:a16="http://schemas.microsoft.com/office/drawing/2014/main" id="{D6F6EA48-E10E-FD4E-BB57-AA03F6481ECA}"/>
-              </a:ext>
-            </a:extLst>
-          </p:cNvPr>
-          <p:cNvSpPr>
-            <a:spLocks noGrp="1"/>
-          </p:cNvSpPr>
-          <p:nvPr>
-            <p:ph sz="quarter" idx="10"/>
-          </p:nvPr>
-        </p:nvSpPr>
-        <p:spPr/>
-        <p:txBody>
-          <a:bodyPr>
-            <a:normAutofit lnSpcReduction="10000"/>
-          </a:bodyPr>
-          <a:lstStyle/>
-          <a:p>
-            <a:pPr marL="0" indent="0">
-              <a:buNone/>
-            </a:pPr>
-            <a:r>
-              <a:rPr lang="en-US" i="1" dirty="0">
-                <a:solidFill>
-                  <a:schemeClr val="accent1"/>
-                </a:solidFill>
-                <a:latin typeface="Calisto MT" panose="02040603050505030304" pitchFamily="18" charset="77"/>
-              </a:rPr>
-              <a:t>A zero-day vulnerability, at its core, is a flaw. It is an unknown exploit in the wild that exposes a vulnerability in software or hardware and can create complicated problems well before anyone realizes something is wrong. In fact, a zero-day exploit leaves NO opportunity for detection.</a:t>
-            </a:r>
-          </a:p>
-          <a:p>
-            <a:pPr marL="0" indent="0">
-              <a:buNone/>
-            </a:pPr>
-            <a:endParaRPr lang="en-US" dirty="0"/>
-          </a:p>
-          <a:p>
-            <a:pPr marL="0" indent="0">
-              <a:buNone/>
-            </a:pPr>
-            <a:r>
-              <a:rPr lang="en-US" sz="1100" dirty="0"/>
-              <a:t>Quote from FireEye: </a:t>
-            </a:r>
-            <a:r>
-              <a:rPr lang="en-US" sz="1100" dirty="0">
-                <a:hlinkClick r:id="rId2"/>
-              </a:rPr>
-              <a:t>https://www.fireeye.com/current-threats/what-is-a-zero-day-exploit.html#dismiss-lightbox</a:t>
-            </a:r>
-            <a:endParaRPr lang="en-US" sz="1100" dirty="0"/>
-          </a:p>
-        </p:txBody>
-      </p:sp>
-      <p:sp>
-        <p:nvSpPr>
-          <p:cNvPr id="4" name="Slide Number Placeholder 3">
-            <a:extLst>
-              <a:ext uri="{FF2B5EF4-FFF2-40B4-BE49-F238E27FC236}">
-                <a16:creationId xmlns:a16="http://schemas.microsoft.com/office/drawing/2014/main" id="{ECD445F7-BC28-654B-A326-1B36714EF480}"/>
-              </a:ext>
-            </a:extLst>
-          </p:cNvPr>
-          <p:cNvSpPr>
-            <a:spLocks noGrp="1"/>
-          </p:cNvSpPr>
-          <p:nvPr>
-            <p:ph type="sldNum" sz="quarter" idx="11"/>
-          </p:nvPr>
-        </p:nvSpPr>
-        <p:spPr/>
-        <p:txBody>
-          <a:bodyPr/>
-          <a:lstStyle/>
-          <a:p>
-            <a:fld id="{6575370D-4E78-C44F-8DB3-41D140BF8DE9}" type="slidenum">
-              <a:rPr lang="en-US" smtClean="0"/>
-              <a:pPr/>
-              <a:t>3</a:t>
-            </a:fld>
-            <a:endParaRPr lang="en-US" dirty="0"/>
-          </a:p>
-        </p:txBody>
-      </p:sp>
-    </p:spTree>
-    <p:extLst>
-      <p:ext uri="{BB962C8B-B14F-4D97-AF65-F5344CB8AC3E}">
-        <p14:creationId xmlns:p14="http://schemas.microsoft.com/office/powerpoint/2010/main" val="29802379"/>
-      </p:ext>
-    </p:extLst>
-  </p:cSld>
-  <p:clrMapOvr>
-    <a:masterClrMapping/>
-  </p:clrMapOvr>
-</p:sld>
-</file>
-
-<file path=ppt/slides/slide30.xml><?xml version="1.0" encoding="utf-8"?>
+<file path=ppt/slides/slide28.xml><?xml version="1.0" encoding="utf-8"?>
 <p:sld xmlns:a="http://schemas.openxmlformats.org/drawingml/2006/main" xmlns:r="http://schemas.openxmlformats.org/officeDocument/2006/relationships" xmlns:p="http://schemas.openxmlformats.org/presentationml/2006/main">
   <p:cSld>
     <p:spTree>
@@ -38908,7 +38402,7 @@
 </p:sld>
 </file>
 
-<file path=ppt/slides/slide31.xml><?xml version="1.0" encoding="utf-8"?>
+<file path=ppt/slides/slide29.xml><?xml version="1.0" encoding="utf-8"?>
 <p:sld xmlns:a="http://schemas.openxmlformats.org/drawingml/2006/main" xmlns:r="http://schemas.openxmlformats.org/officeDocument/2006/relationships" xmlns:p="http://schemas.openxmlformats.org/presentationml/2006/main">
   <p:cSld>
     <p:spTree>
@@ -39665,7 +39159,7 @@
 </p:sld>
 </file>
 
-<file path=ppt/slides/slide32.xml><?xml version="1.0" encoding="utf-8"?>
+<file path=ppt/slides/slide3.xml><?xml version="1.0" encoding="utf-8"?>
 <p:sld xmlns:a="http://schemas.openxmlformats.org/drawingml/2006/main" xmlns:r="http://schemas.openxmlformats.org/officeDocument/2006/relationships" xmlns:p="http://schemas.openxmlformats.org/presentationml/2006/main">
   <p:cSld>
     <p:spTree>
@@ -39687,7 +39181,7 @@
           <p:cNvPr id="2" name="Title 1">
             <a:extLst>
               <a:ext uri="{FF2B5EF4-FFF2-40B4-BE49-F238E27FC236}">
-                <a16:creationId xmlns:a16="http://schemas.microsoft.com/office/drawing/2014/main" id="{782DA382-40F9-124B-87F0-B53FADEB9063}"/>
+                <a16:creationId xmlns:a16="http://schemas.microsoft.com/office/drawing/2014/main" id="{050932E3-AE00-3E47-AF92-567D0F4135FE}"/>
               </a:ext>
             </a:extLst>
           </p:cNvPr>
@@ -39705,8 +39199,68 @@
           <a:p>
             <a:r>
               <a:rPr lang="en-US" dirty="0"/>
-              <a:t>Skipping Security Steps to go Faster</a:t>
-            </a:r>
+              <a:t>What is a Zero Day Attack</a:t>
+            </a:r>
+          </a:p>
+        </p:txBody>
+      </p:sp>
+      <p:sp>
+        <p:nvSpPr>
+          <p:cNvPr id="3" name="Content Placeholder 2">
+            <a:extLst>
+              <a:ext uri="{FF2B5EF4-FFF2-40B4-BE49-F238E27FC236}">
+                <a16:creationId xmlns:a16="http://schemas.microsoft.com/office/drawing/2014/main" id="{D6F6EA48-E10E-FD4E-BB57-AA03F6481ECA}"/>
+              </a:ext>
+            </a:extLst>
+          </p:cNvPr>
+          <p:cNvSpPr>
+            <a:spLocks noGrp="1"/>
+          </p:cNvSpPr>
+          <p:nvPr>
+            <p:ph sz="quarter" idx="10"/>
+          </p:nvPr>
+        </p:nvSpPr>
+        <p:spPr/>
+        <p:txBody>
+          <a:bodyPr>
+            <a:normAutofit lnSpcReduction="10000"/>
+          </a:bodyPr>
+          <a:lstStyle/>
+          <a:p>
+            <a:pPr marL="0" indent="0">
+              <a:buNone/>
+            </a:pPr>
+            <a:r>
+              <a:rPr lang="en-US" i="1" dirty="0">
+                <a:solidFill>
+                  <a:schemeClr val="accent1"/>
+                </a:solidFill>
+                <a:latin typeface="Calisto MT" panose="02040603050505030304" pitchFamily="18" charset="77"/>
+              </a:rPr>
+              <a:t>A zero-day vulnerability, at its core, is a flaw. It is an unknown exploit in the wild that exposes a vulnerability in software or hardware and can create complicated problems well before anyone realizes something is wrong. In fact, a zero-day exploit leaves NO opportunity for detection.</a:t>
+            </a:r>
+          </a:p>
+          <a:p>
+            <a:pPr marL="0" indent="0">
+              <a:buNone/>
+            </a:pPr>
+            <a:endParaRPr lang="en-US" dirty="0"/>
+          </a:p>
+          <a:p>
+            <a:pPr marL="0" indent="0">
+              <a:buNone/>
+            </a:pPr>
+            <a:r>
+              <a:rPr lang="en-US" sz="1100" dirty="0"/>
+              <a:t>Quote from FireEye: </a:t>
+            </a:r>
+            <a:r>
+              <a:rPr lang="en-US" sz="1100" dirty="0">
+                <a:hlinkClick r:id="rId2"/>
+              </a:rPr>
+              <a:t>https://www.fireeye.com/current-threats/what-is-a-zero-day-exploit.html#dismiss-lightbox</a:t>
+            </a:r>
+            <a:endParaRPr lang="en-US" sz="1100" dirty="0"/>
           </a:p>
         </p:txBody>
       </p:sp>
@@ -39715,7 +39269,7 @@
           <p:cNvPr id="4" name="Slide Number Placeholder 3">
             <a:extLst>
               <a:ext uri="{FF2B5EF4-FFF2-40B4-BE49-F238E27FC236}">
-                <a16:creationId xmlns:a16="http://schemas.microsoft.com/office/drawing/2014/main" id="{CF957955-A6B1-F744-ACD3-5E69BEB2825A}"/>
+                <a16:creationId xmlns:a16="http://schemas.microsoft.com/office/drawing/2014/main" id="{ECD445F7-BC28-654B-A326-1B36714EF480}"/>
               </a:ext>
             </a:extLst>
           </p:cNvPr>
@@ -39734,7 +39288,95 @@
             <a:fld id="{6575370D-4E78-C44F-8DB3-41D140BF8DE9}" type="slidenum">
               <a:rPr lang="en-US" smtClean="0"/>
               <a:pPr/>
-              <a:t>32</a:t>
+              <a:t>3</a:t>
+            </a:fld>
+            <a:endParaRPr lang="en-US" dirty="0"/>
+          </a:p>
+        </p:txBody>
+      </p:sp>
+    </p:spTree>
+    <p:extLst>
+      <p:ext uri="{BB962C8B-B14F-4D97-AF65-F5344CB8AC3E}">
+        <p14:creationId xmlns:p14="http://schemas.microsoft.com/office/powerpoint/2010/main" val="29802379"/>
+      </p:ext>
+    </p:extLst>
+  </p:cSld>
+  <p:clrMapOvr>
+    <a:masterClrMapping/>
+  </p:clrMapOvr>
+</p:sld>
+</file>
+
+<file path=ppt/slides/slide30.xml><?xml version="1.0" encoding="utf-8"?>
+<p:sld xmlns:a="http://schemas.openxmlformats.org/drawingml/2006/main" xmlns:r="http://schemas.openxmlformats.org/officeDocument/2006/relationships" xmlns:p="http://schemas.openxmlformats.org/presentationml/2006/main">
+  <p:cSld>
+    <p:spTree>
+      <p:nvGrpSpPr>
+        <p:cNvPr id="1" name=""/>
+        <p:cNvGrpSpPr/>
+        <p:nvPr/>
+      </p:nvGrpSpPr>
+      <p:grpSpPr>
+        <a:xfrm>
+          <a:off x="0" y="0"/>
+          <a:ext cx="0" cy="0"/>
+          <a:chOff x="0" y="0"/>
+          <a:chExt cx="0" cy="0"/>
+        </a:xfrm>
+      </p:grpSpPr>
+      <p:sp>
+        <p:nvSpPr>
+          <p:cNvPr id="2" name="Title 1">
+            <a:extLst>
+              <a:ext uri="{FF2B5EF4-FFF2-40B4-BE49-F238E27FC236}">
+                <a16:creationId xmlns:a16="http://schemas.microsoft.com/office/drawing/2014/main" id="{782DA382-40F9-124B-87F0-B53FADEB9063}"/>
+              </a:ext>
+            </a:extLst>
+          </p:cNvPr>
+          <p:cNvSpPr>
+            <a:spLocks noGrp="1"/>
+          </p:cNvSpPr>
+          <p:nvPr>
+            <p:ph type="title"/>
+          </p:nvPr>
+        </p:nvSpPr>
+        <p:spPr/>
+        <p:txBody>
+          <a:bodyPr/>
+          <a:lstStyle/>
+          <a:p>
+            <a:r>
+              <a:rPr lang="en-US" dirty="0"/>
+              <a:t>Skipping Security Steps to go Faster</a:t>
+            </a:r>
+          </a:p>
+        </p:txBody>
+      </p:sp>
+      <p:sp>
+        <p:nvSpPr>
+          <p:cNvPr id="4" name="Slide Number Placeholder 3">
+            <a:extLst>
+              <a:ext uri="{FF2B5EF4-FFF2-40B4-BE49-F238E27FC236}">
+                <a16:creationId xmlns:a16="http://schemas.microsoft.com/office/drawing/2014/main" id="{CF957955-A6B1-F744-ACD3-5E69BEB2825A}"/>
+              </a:ext>
+            </a:extLst>
+          </p:cNvPr>
+          <p:cNvSpPr>
+            <a:spLocks noGrp="1"/>
+          </p:cNvSpPr>
+          <p:nvPr>
+            <p:ph type="sldNum" sz="quarter" idx="11"/>
+          </p:nvPr>
+        </p:nvSpPr>
+        <p:spPr/>
+        <p:txBody>
+          <a:bodyPr/>
+          <a:lstStyle/>
+          <a:p>
+            <a:fld id="{6575370D-4E78-C44F-8DB3-41D140BF8DE9}" type="slidenum">
+              <a:rPr lang="en-US" smtClean="0"/>
+              <a:pPr/>
+              <a:t>30</a:t>
             </a:fld>
             <a:endParaRPr lang="en-US" dirty="0"/>
           </a:p>
@@ -41552,7 +41194,7 @@
 </p:sld>
 </file>
 
-<file path=ppt/slides/slide33.xml><?xml version="1.0" encoding="utf-8"?>
+<file path=ppt/slides/slide31.xml><?xml version="1.0" encoding="utf-8"?>
 <p:sld xmlns:a="http://schemas.openxmlformats.org/drawingml/2006/main" xmlns:r="http://schemas.openxmlformats.org/officeDocument/2006/relationships" xmlns:p="http://schemas.openxmlformats.org/presentationml/2006/main">
   <p:cSld>
     <p:spTree>
@@ -41621,7 +41263,7 @@
             <a:fld id="{6575370D-4E78-C44F-8DB3-41D140BF8DE9}" type="slidenum">
               <a:rPr lang="en-US" smtClean="0"/>
               <a:pPr/>
-              <a:t>33</a:t>
+              <a:t>31</a:t>
             </a:fld>
             <a:endParaRPr lang="en-US" dirty="0"/>
           </a:p>
@@ -42998,6 +42640,207 @@
 </p:sld>
 </file>
 
+<file path=ppt/slides/slide32.xml><?xml version="1.0" encoding="utf-8"?>
+<p:sld xmlns:a="http://schemas.openxmlformats.org/drawingml/2006/main" xmlns:r="http://schemas.openxmlformats.org/officeDocument/2006/relationships" xmlns:p="http://schemas.openxmlformats.org/presentationml/2006/main">
+  <p:cSld>
+    <p:spTree>
+      <p:nvGrpSpPr>
+        <p:cNvPr id="1" name=""/>
+        <p:cNvGrpSpPr/>
+        <p:nvPr/>
+      </p:nvGrpSpPr>
+      <p:grpSpPr>
+        <a:xfrm>
+          <a:off x="0" y="0"/>
+          <a:ext cx="0" cy="0"/>
+          <a:chOff x="0" y="0"/>
+          <a:chExt cx="0" cy="0"/>
+        </a:xfrm>
+      </p:grpSpPr>
+      <p:sp>
+        <p:nvSpPr>
+          <p:cNvPr id="11" name="Text Placeholder 10"/>
+          <p:cNvSpPr>
+            <a:spLocks noGrp="1"/>
+          </p:cNvSpPr>
+          <p:nvPr>
+            <p:ph type="body" sz="quarter" idx="12"/>
+          </p:nvPr>
+        </p:nvSpPr>
+        <p:spPr>
+          <a:xfrm>
+            <a:off x="1660525" y="1387403"/>
+            <a:ext cx="5822950" cy="2181102"/>
+          </a:xfrm>
+        </p:spPr>
+        <p:txBody>
+          <a:bodyPr/>
+          <a:lstStyle/>
+          <a:p>
+            <a:r>
+              <a:rPr lang="en-US" sz="4400" b="1" dirty="0"/>
+              <a:t>What About Container Security</a:t>
+            </a:r>
+          </a:p>
+          <a:p>
+            <a:endParaRPr lang="en-US" sz="4400" b="1" dirty="0"/>
+          </a:p>
+        </p:txBody>
+      </p:sp>
+    </p:spTree>
+    <p:extLst>
+      <p:ext uri="{BB962C8B-B14F-4D97-AF65-F5344CB8AC3E}">
+        <p14:creationId xmlns:p14="http://schemas.microsoft.com/office/powerpoint/2010/main" val="2566230552"/>
+      </p:ext>
+    </p:extLst>
+  </p:cSld>
+  <p:clrMapOvr>
+    <a:masterClrMapping/>
+  </p:clrMapOvr>
+</p:sld>
+</file>
+
+<file path=ppt/slides/slide33.xml><?xml version="1.0" encoding="utf-8"?>
+<p:sld xmlns:a="http://schemas.openxmlformats.org/drawingml/2006/main" xmlns:r="http://schemas.openxmlformats.org/officeDocument/2006/relationships" xmlns:p="http://schemas.openxmlformats.org/presentationml/2006/main">
+  <p:cSld>
+    <p:spTree>
+      <p:nvGrpSpPr>
+        <p:cNvPr id="1" name=""/>
+        <p:cNvGrpSpPr/>
+        <p:nvPr/>
+      </p:nvGrpSpPr>
+      <p:grpSpPr>
+        <a:xfrm>
+          <a:off x="0" y="0"/>
+          <a:ext cx="0" cy="0"/>
+          <a:chOff x="0" y="0"/>
+          <a:chExt cx="0" cy="0"/>
+        </a:xfrm>
+      </p:grpSpPr>
+      <p:sp>
+        <p:nvSpPr>
+          <p:cNvPr id="2" name="Title 1">
+            <a:extLst>
+              <a:ext uri="{FF2B5EF4-FFF2-40B4-BE49-F238E27FC236}">
+                <a16:creationId xmlns:a16="http://schemas.microsoft.com/office/drawing/2014/main" id="{D9AF008F-86EB-E744-B2D9-62E8B0210607}"/>
+              </a:ext>
+            </a:extLst>
+          </p:cNvPr>
+          <p:cNvSpPr>
+            <a:spLocks noGrp="1"/>
+          </p:cNvSpPr>
+          <p:nvPr>
+            <p:ph type="title"/>
+          </p:nvPr>
+        </p:nvSpPr>
+        <p:spPr/>
+        <p:txBody>
+          <a:bodyPr/>
+          <a:lstStyle/>
+          <a:p>
+            <a:r>
+              <a:rPr lang="en-US" dirty="0"/>
+              <a:t>Container Security</a:t>
+            </a:r>
+          </a:p>
+        </p:txBody>
+      </p:sp>
+      <p:sp>
+        <p:nvSpPr>
+          <p:cNvPr id="3" name="Content Placeholder 2">
+            <a:extLst>
+              <a:ext uri="{FF2B5EF4-FFF2-40B4-BE49-F238E27FC236}">
+                <a16:creationId xmlns:a16="http://schemas.microsoft.com/office/drawing/2014/main" id="{05AACA93-7985-204E-AA74-64333279BF89}"/>
+              </a:ext>
+            </a:extLst>
+          </p:cNvPr>
+          <p:cNvSpPr>
+            <a:spLocks noGrp="1"/>
+          </p:cNvSpPr>
+          <p:nvPr>
+            <p:ph sz="quarter" idx="10"/>
+          </p:nvPr>
+        </p:nvSpPr>
+        <p:spPr/>
+        <p:txBody>
+          <a:bodyPr/>
+          <a:lstStyle/>
+          <a:p>
+            <a:r>
+              <a:rPr lang="en-US" dirty="0"/>
+              <a:t>Eliminate All Potential Attack Vectors</a:t>
+            </a:r>
+          </a:p>
+          <a:p>
+            <a:pPr lvl="1"/>
+            <a:r>
+              <a:rPr lang="en-US" dirty="0"/>
+              <a:t>Small and light weight containers</a:t>
+            </a:r>
+          </a:p>
+          <a:p>
+            <a:pPr lvl="2"/>
+            <a:r>
+              <a:rPr lang="en-US" dirty="0"/>
+              <a:t>SSH</a:t>
+            </a:r>
+          </a:p>
+          <a:p>
+            <a:pPr lvl="1"/>
+            <a:r>
+              <a:rPr lang="en-US" dirty="0"/>
+              <a:t>Service Account can only do exactly what is required (no root)</a:t>
+            </a:r>
+          </a:p>
+          <a:p>
+            <a:pPr lvl="1"/>
+            <a:endParaRPr lang="en-US" dirty="0"/>
+          </a:p>
+        </p:txBody>
+      </p:sp>
+      <p:sp>
+        <p:nvSpPr>
+          <p:cNvPr id="4" name="Slide Number Placeholder 3">
+            <a:extLst>
+              <a:ext uri="{FF2B5EF4-FFF2-40B4-BE49-F238E27FC236}">
+                <a16:creationId xmlns:a16="http://schemas.microsoft.com/office/drawing/2014/main" id="{A8ADD007-083A-2840-B4FF-D7D9D653AECB}"/>
+              </a:ext>
+            </a:extLst>
+          </p:cNvPr>
+          <p:cNvSpPr>
+            <a:spLocks noGrp="1"/>
+          </p:cNvSpPr>
+          <p:nvPr>
+            <p:ph type="sldNum" sz="quarter" idx="11"/>
+          </p:nvPr>
+        </p:nvSpPr>
+        <p:spPr/>
+        <p:txBody>
+          <a:bodyPr/>
+          <a:lstStyle/>
+          <a:p>
+            <a:fld id="{6575370D-4E78-C44F-8DB3-41D140BF8DE9}" type="slidenum">
+              <a:rPr lang="en-US" smtClean="0"/>
+              <a:pPr/>
+              <a:t>33</a:t>
+            </a:fld>
+            <a:endParaRPr lang="en-US" dirty="0"/>
+          </a:p>
+        </p:txBody>
+      </p:sp>
+    </p:spTree>
+    <p:extLst>
+      <p:ext uri="{BB962C8B-B14F-4D97-AF65-F5344CB8AC3E}">
+        <p14:creationId xmlns:p14="http://schemas.microsoft.com/office/powerpoint/2010/main" val="525396525"/>
+      </p:ext>
+    </p:extLst>
+  </p:cSld>
+  <p:clrMapOvr>
+    <a:masterClrMapping/>
+  </p:clrMapOvr>
+</p:sld>
+</file>
+
 <file path=ppt/slides/slide34.xml><?xml version="1.0" encoding="utf-8"?>
 <p:sld xmlns:a="http://schemas.openxmlformats.org/drawingml/2006/main" xmlns:r="http://schemas.openxmlformats.org/officeDocument/2006/relationships" xmlns:p="http://schemas.openxmlformats.org/presentationml/2006/main">
   <p:cSld>
@@ -43037,7 +42880,7 @@
           <a:p>
             <a:r>
               <a:rPr lang="en-US" sz="4400" b="1" dirty="0"/>
-              <a:t>What About Container Security</a:t>
+              <a:t>What About Network Security</a:t>
             </a:r>
           </a:p>
           <a:p>
@@ -43048,7 +42891,7 @@
     </p:spTree>
     <p:extLst>
       <p:ext uri="{BB962C8B-B14F-4D97-AF65-F5344CB8AC3E}">
-        <p14:creationId xmlns:p14="http://schemas.microsoft.com/office/powerpoint/2010/main" val="2566230552"/>
+        <p14:creationId xmlns:p14="http://schemas.microsoft.com/office/powerpoint/2010/main" val="1875489045"/>
       </p:ext>
     </p:extLst>
   </p:cSld>
@@ -43080,207 +42923,6 @@
           <p:cNvPr id="2" name="Title 1">
             <a:extLst>
               <a:ext uri="{FF2B5EF4-FFF2-40B4-BE49-F238E27FC236}">
-                <a16:creationId xmlns:a16="http://schemas.microsoft.com/office/drawing/2014/main" id="{D9AF008F-86EB-E744-B2D9-62E8B0210607}"/>
-              </a:ext>
-            </a:extLst>
-          </p:cNvPr>
-          <p:cNvSpPr>
-            <a:spLocks noGrp="1"/>
-          </p:cNvSpPr>
-          <p:nvPr>
-            <p:ph type="title"/>
-          </p:nvPr>
-        </p:nvSpPr>
-        <p:spPr/>
-        <p:txBody>
-          <a:bodyPr/>
-          <a:lstStyle/>
-          <a:p>
-            <a:r>
-              <a:rPr lang="en-US" dirty="0"/>
-              <a:t>Container Security</a:t>
-            </a:r>
-          </a:p>
-        </p:txBody>
-      </p:sp>
-      <p:sp>
-        <p:nvSpPr>
-          <p:cNvPr id="3" name="Content Placeholder 2">
-            <a:extLst>
-              <a:ext uri="{FF2B5EF4-FFF2-40B4-BE49-F238E27FC236}">
-                <a16:creationId xmlns:a16="http://schemas.microsoft.com/office/drawing/2014/main" id="{05AACA93-7985-204E-AA74-64333279BF89}"/>
-              </a:ext>
-            </a:extLst>
-          </p:cNvPr>
-          <p:cNvSpPr>
-            <a:spLocks noGrp="1"/>
-          </p:cNvSpPr>
-          <p:nvPr>
-            <p:ph sz="quarter" idx="10"/>
-          </p:nvPr>
-        </p:nvSpPr>
-        <p:spPr/>
-        <p:txBody>
-          <a:bodyPr/>
-          <a:lstStyle/>
-          <a:p>
-            <a:r>
-              <a:rPr lang="en-US" dirty="0"/>
-              <a:t>Eliminate All Potential Attack Vectors</a:t>
-            </a:r>
-          </a:p>
-          <a:p>
-            <a:pPr lvl="1"/>
-            <a:r>
-              <a:rPr lang="en-US" dirty="0"/>
-              <a:t>Small and light weight containers</a:t>
-            </a:r>
-          </a:p>
-          <a:p>
-            <a:pPr lvl="2"/>
-            <a:r>
-              <a:rPr lang="en-US" dirty="0"/>
-              <a:t>SSH</a:t>
-            </a:r>
-          </a:p>
-          <a:p>
-            <a:pPr lvl="1"/>
-            <a:r>
-              <a:rPr lang="en-US" dirty="0"/>
-              <a:t>Service Account can only do exactly what is required (no root)</a:t>
-            </a:r>
-          </a:p>
-          <a:p>
-            <a:pPr lvl="1"/>
-            <a:endParaRPr lang="en-US" dirty="0"/>
-          </a:p>
-        </p:txBody>
-      </p:sp>
-      <p:sp>
-        <p:nvSpPr>
-          <p:cNvPr id="4" name="Slide Number Placeholder 3">
-            <a:extLst>
-              <a:ext uri="{FF2B5EF4-FFF2-40B4-BE49-F238E27FC236}">
-                <a16:creationId xmlns:a16="http://schemas.microsoft.com/office/drawing/2014/main" id="{A8ADD007-083A-2840-B4FF-D7D9D653AECB}"/>
-              </a:ext>
-            </a:extLst>
-          </p:cNvPr>
-          <p:cNvSpPr>
-            <a:spLocks noGrp="1"/>
-          </p:cNvSpPr>
-          <p:nvPr>
-            <p:ph type="sldNum" sz="quarter" idx="11"/>
-          </p:nvPr>
-        </p:nvSpPr>
-        <p:spPr/>
-        <p:txBody>
-          <a:bodyPr/>
-          <a:lstStyle/>
-          <a:p>
-            <a:fld id="{6575370D-4E78-C44F-8DB3-41D140BF8DE9}" type="slidenum">
-              <a:rPr lang="en-US" smtClean="0"/>
-              <a:pPr/>
-              <a:t>35</a:t>
-            </a:fld>
-            <a:endParaRPr lang="en-US" dirty="0"/>
-          </a:p>
-        </p:txBody>
-      </p:sp>
-    </p:spTree>
-    <p:extLst>
-      <p:ext uri="{BB962C8B-B14F-4D97-AF65-F5344CB8AC3E}">
-        <p14:creationId xmlns:p14="http://schemas.microsoft.com/office/powerpoint/2010/main" val="525396525"/>
-      </p:ext>
-    </p:extLst>
-  </p:cSld>
-  <p:clrMapOvr>
-    <a:masterClrMapping/>
-  </p:clrMapOvr>
-</p:sld>
-</file>
-
-<file path=ppt/slides/slide36.xml><?xml version="1.0" encoding="utf-8"?>
-<p:sld xmlns:a="http://schemas.openxmlformats.org/drawingml/2006/main" xmlns:r="http://schemas.openxmlformats.org/officeDocument/2006/relationships" xmlns:p="http://schemas.openxmlformats.org/presentationml/2006/main">
-  <p:cSld>
-    <p:spTree>
-      <p:nvGrpSpPr>
-        <p:cNvPr id="1" name=""/>
-        <p:cNvGrpSpPr/>
-        <p:nvPr/>
-      </p:nvGrpSpPr>
-      <p:grpSpPr>
-        <a:xfrm>
-          <a:off x="0" y="0"/>
-          <a:ext cx="0" cy="0"/>
-          <a:chOff x="0" y="0"/>
-          <a:chExt cx="0" cy="0"/>
-        </a:xfrm>
-      </p:grpSpPr>
-      <p:sp>
-        <p:nvSpPr>
-          <p:cNvPr id="11" name="Text Placeholder 10"/>
-          <p:cNvSpPr>
-            <a:spLocks noGrp="1"/>
-          </p:cNvSpPr>
-          <p:nvPr>
-            <p:ph type="body" sz="quarter" idx="12"/>
-          </p:nvPr>
-        </p:nvSpPr>
-        <p:spPr>
-          <a:xfrm>
-            <a:off x="1660525" y="1387403"/>
-            <a:ext cx="5822950" cy="2181102"/>
-          </a:xfrm>
-        </p:spPr>
-        <p:txBody>
-          <a:bodyPr/>
-          <a:lstStyle/>
-          <a:p>
-            <a:r>
-              <a:rPr lang="en-US" sz="4400" b="1" dirty="0"/>
-              <a:t>What About Network Security</a:t>
-            </a:r>
-          </a:p>
-          <a:p>
-            <a:endParaRPr lang="en-US" sz="4400" b="1" dirty="0"/>
-          </a:p>
-        </p:txBody>
-      </p:sp>
-    </p:spTree>
-    <p:extLst>
-      <p:ext uri="{BB962C8B-B14F-4D97-AF65-F5344CB8AC3E}">
-        <p14:creationId xmlns:p14="http://schemas.microsoft.com/office/powerpoint/2010/main" val="1875489045"/>
-      </p:ext>
-    </p:extLst>
-  </p:cSld>
-  <p:clrMapOvr>
-    <a:masterClrMapping/>
-  </p:clrMapOvr>
-</p:sld>
-</file>
-
-<file path=ppt/slides/slide37.xml><?xml version="1.0" encoding="utf-8"?>
-<p:sld xmlns:a="http://schemas.openxmlformats.org/drawingml/2006/main" xmlns:r="http://schemas.openxmlformats.org/officeDocument/2006/relationships" xmlns:p="http://schemas.openxmlformats.org/presentationml/2006/main">
-  <p:cSld>
-    <p:spTree>
-      <p:nvGrpSpPr>
-        <p:cNvPr id="1" name=""/>
-        <p:cNvGrpSpPr/>
-        <p:nvPr/>
-      </p:nvGrpSpPr>
-      <p:grpSpPr>
-        <a:xfrm>
-          <a:off x="0" y="0"/>
-          <a:ext cx="0" cy="0"/>
-          <a:chOff x="0" y="0"/>
-          <a:chExt cx="0" cy="0"/>
-        </a:xfrm>
-      </p:grpSpPr>
-      <p:sp>
-        <p:nvSpPr>
-          <p:cNvPr id="2" name="Title 1">
-            <a:extLst>
-              <a:ext uri="{FF2B5EF4-FFF2-40B4-BE49-F238E27FC236}">
                 <a16:creationId xmlns:a16="http://schemas.microsoft.com/office/drawing/2014/main" id="{2AA8A17C-D522-4247-A85C-0F567F93A8F0}"/>
               </a:ext>
             </a:extLst>
@@ -43382,7 +43024,7 @@
             <a:fld id="{6575370D-4E78-C44F-8DB3-41D140BF8DE9}" type="slidenum">
               <a:rPr lang="en-US" smtClean="0"/>
               <a:pPr/>
-              <a:t>37</a:t>
+              <a:t>35</a:t>
             </a:fld>
             <a:endParaRPr lang="en-US" dirty="0"/>
           </a:p>
@@ -43646,7 +43288,7 @@
 </p:sld>
 </file>
 
-<file path=ppt/slides/slide38.xml><?xml version="1.0" encoding="utf-8"?>
+<file path=ppt/slides/slide36.xml><?xml version="1.0" encoding="utf-8"?>
 <p:sld xmlns:a="http://schemas.openxmlformats.org/drawingml/2006/main" xmlns:r="http://schemas.openxmlformats.org/officeDocument/2006/relationships" xmlns:p="http://schemas.openxmlformats.org/presentationml/2006/main">
   <p:cSld>
     <p:spTree>
@@ -43706,7 +43348,7 @@
 </p:sld>
 </file>
 
-<file path=ppt/slides/slide39.xml><?xml version="1.0" encoding="utf-8"?>
+<file path=ppt/slides/slide37.xml><?xml version="1.0" encoding="utf-8"?>
 <p:sld xmlns:a="http://schemas.openxmlformats.org/drawingml/2006/main" xmlns:r="http://schemas.openxmlformats.org/officeDocument/2006/relationships" xmlns:p="http://schemas.openxmlformats.org/presentationml/2006/main">
   <p:cSld>
     <p:spTree>
@@ -43856,7 +43498,7 @@
             <a:fld id="{6575370D-4E78-C44F-8DB3-41D140BF8DE9}" type="slidenum">
               <a:rPr lang="en-US" smtClean="0"/>
               <a:pPr/>
-              <a:t>39</a:t>
+              <a:t>37</a:t>
             </a:fld>
             <a:endParaRPr lang="en-US" dirty="0"/>
           </a:p>
@@ -43875,211 +43517,7 @@
 </p:sld>
 </file>
 
-<file path=ppt/slides/slide4.xml><?xml version="1.0" encoding="utf-8"?>
-<p:sld xmlns:a="http://schemas.openxmlformats.org/drawingml/2006/main" xmlns:r="http://schemas.openxmlformats.org/officeDocument/2006/relationships" xmlns:p="http://schemas.openxmlformats.org/presentationml/2006/main">
-  <p:cSld>
-    <p:spTree>
-      <p:nvGrpSpPr>
-        <p:cNvPr id="1" name=""/>
-        <p:cNvGrpSpPr/>
-        <p:nvPr/>
-      </p:nvGrpSpPr>
-      <p:grpSpPr>
-        <a:xfrm>
-          <a:off x="0" y="0"/>
-          <a:ext cx="0" cy="0"/>
-          <a:chOff x="0" y="0"/>
-          <a:chExt cx="0" cy="0"/>
-        </a:xfrm>
-      </p:grpSpPr>
-      <p:sp>
-        <p:nvSpPr>
-          <p:cNvPr id="2" name="Title 1">
-            <a:extLst>
-              <a:ext uri="{FF2B5EF4-FFF2-40B4-BE49-F238E27FC236}">
-                <a16:creationId xmlns:a16="http://schemas.microsoft.com/office/drawing/2014/main" id="{389523D6-33D2-1641-8992-BE7264E4F7E5}"/>
-              </a:ext>
-            </a:extLst>
-          </p:cNvPr>
-          <p:cNvSpPr>
-            <a:spLocks noGrp="1"/>
-          </p:cNvSpPr>
-          <p:nvPr>
-            <p:ph type="title"/>
-          </p:nvPr>
-        </p:nvSpPr>
-        <p:spPr/>
-        <p:txBody>
-          <a:bodyPr/>
-          <a:lstStyle/>
-          <a:p>
-            <a:r>
-              <a:rPr lang="en-US" dirty="0"/>
-              <a:t>Steps Necessary to be Attacked</a:t>
-            </a:r>
-          </a:p>
-        </p:txBody>
-      </p:sp>
-      <p:sp>
-        <p:nvSpPr>
-          <p:cNvPr id="3" name="Content Placeholder 2">
-            <a:extLst>
-              <a:ext uri="{FF2B5EF4-FFF2-40B4-BE49-F238E27FC236}">
-                <a16:creationId xmlns:a16="http://schemas.microsoft.com/office/drawing/2014/main" id="{BE7390E6-B1F0-464E-8973-3999E699FC21}"/>
-              </a:ext>
-            </a:extLst>
-          </p:cNvPr>
-          <p:cNvSpPr>
-            <a:spLocks noGrp="1"/>
-          </p:cNvSpPr>
-          <p:nvPr>
-            <p:ph sz="quarter" idx="10"/>
-          </p:nvPr>
-        </p:nvSpPr>
-        <p:spPr/>
-        <p:txBody>
-          <a:bodyPr>
-            <a:normAutofit fontScale="77500" lnSpcReduction="20000"/>
-          </a:bodyPr>
-          <a:lstStyle/>
-          <a:p>
-            <a:pPr marL="457200" indent="-457200">
-              <a:buFont typeface="+mj-lt"/>
-              <a:buAutoNum type="arabicPeriod"/>
-            </a:pPr>
-            <a:r>
-              <a:rPr lang="en-US" b="1" dirty="0">
-                <a:solidFill>
-                  <a:schemeClr val="accent1"/>
-                </a:solidFill>
-              </a:rPr>
-              <a:t>Developers</a:t>
-            </a:r>
-            <a:r>
-              <a:rPr lang="en-US" dirty="0"/>
-              <a:t> unknowingly create software that contains a vulnerability</a:t>
-            </a:r>
-          </a:p>
-          <a:p>
-            <a:pPr marL="457200" indent="-457200">
-              <a:buFont typeface="+mj-lt"/>
-              <a:buAutoNum type="arabicPeriod"/>
-            </a:pPr>
-            <a:r>
-              <a:rPr lang="en-US" dirty="0"/>
-              <a:t>Hackers discover the vulnerability</a:t>
-            </a:r>
-          </a:p>
-          <a:p>
-            <a:pPr marL="457200" indent="-457200">
-              <a:buFont typeface="+mj-lt"/>
-              <a:buAutoNum type="arabicPeriod"/>
-            </a:pPr>
-            <a:r>
-              <a:rPr lang="en-US" dirty="0"/>
-              <a:t>Hacker Sells Vulnerability Information To a Broker</a:t>
-            </a:r>
-          </a:p>
-          <a:p>
-            <a:pPr marL="457200" indent="-457200">
-              <a:buFont typeface="+mj-lt"/>
-              <a:buAutoNum type="arabicPeriod"/>
-            </a:pPr>
-            <a:r>
-              <a:rPr lang="en-US" dirty="0"/>
-              <a:t>Broker Sells Exploits to Attackers</a:t>
-            </a:r>
-          </a:p>
-          <a:p>
-            <a:pPr marL="457200" indent="-457200">
-              <a:buFont typeface="+mj-lt"/>
-              <a:buAutoNum type="arabicPeriod"/>
-            </a:pPr>
-            <a:r>
-              <a:rPr lang="en-US" dirty="0"/>
-              <a:t>Attackers use Exploits to Customize an Attack</a:t>
-            </a:r>
-          </a:p>
-          <a:p>
-            <a:pPr marL="457200" indent="-457200">
-              <a:buFont typeface="+mj-lt"/>
-              <a:buAutoNum type="arabicPeriod"/>
-            </a:pPr>
-            <a:r>
-              <a:rPr lang="en-US" dirty="0"/>
-              <a:t>Attack is launched.</a:t>
-            </a:r>
-          </a:p>
-          <a:p>
-            <a:pPr marL="500062" indent="-457200">
-              <a:buFont typeface="+mj-lt"/>
-              <a:buAutoNum type="arabicPeriod"/>
-            </a:pPr>
-            <a:endParaRPr lang="en-US" dirty="0"/>
-          </a:p>
-          <a:p>
-            <a:pPr marL="42862" indent="0">
-              <a:buNone/>
-            </a:pPr>
-            <a:r>
-              <a:rPr lang="en-US" dirty="0"/>
-              <a:t>Which of these 6 steps do you have any control over?</a:t>
-            </a:r>
-          </a:p>
-          <a:p>
-            <a:pPr lvl="1"/>
-            <a:endParaRPr lang="en-US" dirty="0"/>
-          </a:p>
-          <a:p>
-            <a:pPr lvl="1"/>
-            <a:endParaRPr lang="en-US" dirty="0"/>
-          </a:p>
-        </p:txBody>
-      </p:sp>
-      <p:sp>
-        <p:nvSpPr>
-          <p:cNvPr id="4" name="Slide Number Placeholder 3">
-            <a:extLst>
-              <a:ext uri="{FF2B5EF4-FFF2-40B4-BE49-F238E27FC236}">
-                <a16:creationId xmlns:a16="http://schemas.microsoft.com/office/drawing/2014/main" id="{6A2FF8D2-B2D6-1A46-ADC9-468631DDAADA}"/>
-              </a:ext>
-            </a:extLst>
-          </p:cNvPr>
-          <p:cNvSpPr>
-            <a:spLocks noGrp="1"/>
-          </p:cNvSpPr>
-          <p:nvPr>
-            <p:ph type="sldNum" sz="quarter" idx="11"/>
-          </p:nvPr>
-        </p:nvSpPr>
-        <p:spPr/>
-        <p:txBody>
-          <a:bodyPr/>
-          <a:lstStyle/>
-          <a:p>
-            <a:fld id="{6575370D-4E78-C44F-8DB3-41D140BF8DE9}" type="slidenum">
-              <a:rPr lang="en-US" smtClean="0"/>
-              <a:pPr/>
-              <a:t>4</a:t>
-            </a:fld>
-            <a:endParaRPr lang="en-US" dirty="0"/>
-          </a:p>
-        </p:txBody>
-      </p:sp>
-    </p:spTree>
-    <p:extLst>
-      <p:ext uri="{BB962C8B-B14F-4D97-AF65-F5344CB8AC3E}">
-        <p14:creationId xmlns:p14="http://schemas.microsoft.com/office/powerpoint/2010/main" val="821314820"/>
-      </p:ext>
-    </p:extLst>
-  </p:cSld>
-  <p:clrMapOvr>
-    <a:masterClrMapping/>
-  </p:clrMapOvr>
-</p:sld>
-</file>
-
-<file path=ppt/slides/slide40.xml><?xml version="1.0" encoding="utf-8"?>
+<file path=ppt/slides/slide38.xml><?xml version="1.0" encoding="utf-8"?>
 <p:sld xmlns:a="http://schemas.openxmlformats.org/drawingml/2006/main" xmlns:r="http://schemas.openxmlformats.org/officeDocument/2006/relationships" xmlns:p="http://schemas.openxmlformats.org/presentationml/2006/main">
   <p:cSld>
     <p:spTree>
@@ -44180,7 +43618,7 @@
             <a:fld id="{6575370D-4E78-C44F-8DB3-41D140BF8DE9}" type="slidenum">
               <a:rPr lang="en-US" smtClean="0"/>
               <a:pPr/>
-              <a:t>40</a:t>
+              <a:t>38</a:t>
             </a:fld>
             <a:endParaRPr lang="en-US" dirty="0"/>
           </a:p>
@@ -44199,7 +43637,7 @@
 </p:sld>
 </file>
 
-<file path=ppt/slides/slide41.xml><?xml version="1.0" encoding="utf-8"?>
+<file path=ppt/slides/slide39.xml><?xml version="1.0" encoding="utf-8"?>
 <p:sld xmlns:a="http://schemas.openxmlformats.org/drawingml/2006/main" xmlns:r="http://schemas.openxmlformats.org/officeDocument/2006/relationships" xmlns:p="http://schemas.openxmlformats.org/presentationml/2006/main">
   <p:cSld>
     <p:spTree>
@@ -44524,6 +43962,210 @@
       </p:transition>
     </mc:Fallback>
   </mc:AlternateContent>
+</p:sld>
+</file>
+
+<file path=ppt/slides/slide4.xml><?xml version="1.0" encoding="utf-8"?>
+<p:sld xmlns:a="http://schemas.openxmlformats.org/drawingml/2006/main" xmlns:r="http://schemas.openxmlformats.org/officeDocument/2006/relationships" xmlns:p="http://schemas.openxmlformats.org/presentationml/2006/main">
+  <p:cSld>
+    <p:spTree>
+      <p:nvGrpSpPr>
+        <p:cNvPr id="1" name=""/>
+        <p:cNvGrpSpPr/>
+        <p:nvPr/>
+      </p:nvGrpSpPr>
+      <p:grpSpPr>
+        <a:xfrm>
+          <a:off x="0" y="0"/>
+          <a:ext cx="0" cy="0"/>
+          <a:chOff x="0" y="0"/>
+          <a:chExt cx="0" cy="0"/>
+        </a:xfrm>
+      </p:grpSpPr>
+      <p:sp>
+        <p:nvSpPr>
+          <p:cNvPr id="2" name="Title 1">
+            <a:extLst>
+              <a:ext uri="{FF2B5EF4-FFF2-40B4-BE49-F238E27FC236}">
+                <a16:creationId xmlns:a16="http://schemas.microsoft.com/office/drawing/2014/main" id="{389523D6-33D2-1641-8992-BE7264E4F7E5}"/>
+              </a:ext>
+            </a:extLst>
+          </p:cNvPr>
+          <p:cNvSpPr>
+            <a:spLocks noGrp="1"/>
+          </p:cNvSpPr>
+          <p:nvPr>
+            <p:ph type="title"/>
+          </p:nvPr>
+        </p:nvSpPr>
+        <p:spPr/>
+        <p:txBody>
+          <a:bodyPr/>
+          <a:lstStyle/>
+          <a:p>
+            <a:r>
+              <a:rPr lang="en-US" dirty="0"/>
+              <a:t>Steps Necessary to be Attacked</a:t>
+            </a:r>
+          </a:p>
+        </p:txBody>
+      </p:sp>
+      <p:sp>
+        <p:nvSpPr>
+          <p:cNvPr id="3" name="Content Placeholder 2">
+            <a:extLst>
+              <a:ext uri="{FF2B5EF4-FFF2-40B4-BE49-F238E27FC236}">
+                <a16:creationId xmlns:a16="http://schemas.microsoft.com/office/drawing/2014/main" id="{BE7390E6-B1F0-464E-8973-3999E699FC21}"/>
+              </a:ext>
+            </a:extLst>
+          </p:cNvPr>
+          <p:cNvSpPr>
+            <a:spLocks noGrp="1"/>
+          </p:cNvSpPr>
+          <p:nvPr>
+            <p:ph sz="quarter" idx="10"/>
+          </p:nvPr>
+        </p:nvSpPr>
+        <p:spPr/>
+        <p:txBody>
+          <a:bodyPr>
+            <a:normAutofit fontScale="77500" lnSpcReduction="20000"/>
+          </a:bodyPr>
+          <a:lstStyle/>
+          <a:p>
+            <a:pPr marL="457200" indent="-457200">
+              <a:buFont typeface="+mj-lt"/>
+              <a:buAutoNum type="arabicPeriod"/>
+            </a:pPr>
+            <a:r>
+              <a:rPr lang="en-US" b="1" dirty="0">
+                <a:solidFill>
+                  <a:schemeClr val="accent1"/>
+                </a:solidFill>
+              </a:rPr>
+              <a:t>Developers</a:t>
+            </a:r>
+            <a:r>
+              <a:rPr lang="en-US" dirty="0"/>
+              <a:t> unknowingly create software that contains a vulnerability</a:t>
+            </a:r>
+          </a:p>
+          <a:p>
+            <a:pPr marL="457200" indent="-457200">
+              <a:buFont typeface="+mj-lt"/>
+              <a:buAutoNum type="arabicPeriod"/>
+            </a:pPr>
+            <a:r>
+              <a:rPr lang="en-US" dirty="0"/>
+              <a:t>Hackers discover the vulnerability</a:t>
+            </a:r>
+          </a:p>
+          <a:p>
+            <a:pPr marL="457200" indent="-457200">
+              <a:buFont typeface="+mj-lt"/>
+              <a:buAutoNum type="arabicPeriod"/>
+            </a:pPr>
+            <a:r>
+              <a:rPr lang="en-US" dirty="0"/>
+              <a:t>Hacker Sells Vulnerability Information To a Broker</a:t>
+            </a:r>
+          </a:p>
+          <a:p>
+            <a:pPr marL="457200" indent="-457200">
+              <a:buFont typeface="+mj-lt"/>
+              <a:buAutoNum type="arabicPeriod"/>
+            </a:pPr>
+            <a:r>
+              <a:rPr lang="en-US" dirty="0"/>
+              <a:t>Broker Sells Exploits to Attackers</a:t>
+            </a:r>
+          </a:p>
+          <a:p>
+            <a:pPr marL="457200" indent="-457200">
+              <a:buFont typeface="+mj-lt"/>
+              <a:buAutoNum type="arabicPeriod"/>
+            </a:pPr>
+            <a:r>
+              <a:rPr lang="en-US" dirty="0"/>
+              <a:t>Attackers use Exploits to Customize an Attack</a:t>
+            </a:r>
+          </a:p>
+          <a:p>
+            <a:pPr marL="457200" indent="-457200">
+              <a:buFont typeface="+mj-lt"/>
+              <a:buAutoNum type="arabicPeriod"/>
+            </a:pPr>
+            <a:r>
+              <a:rPr lang="en-US" dirty="0"/>
+              <a:t>Attack is launched.</a:t>
+            </a:r>
+          </a:p>
+          <a:p>
+            <a:pPr marL="500062" indent="-457200">
+              <a:buFont typeface="+mj-lt"/>
+              <a:buAutoNum type="arabicPeriod"/>
+            </a:pPr>
+            <a:endParaRPr lang="en-US" dirty="0"/>
+          </a:p>
+          <a:p>
+            <a:pPr marL="42862" indent="0">
+              <a:buNone/>
+            </a:pPr>
+            <a:r>
+              <a:rPr lang="en-US" dirty="0"/>
+              <a:t>Which of these 6 steps do you have any control over?</a:t>
+            </a:r>
+          </a:p>
+          <a:p>
+            <a:pPr lvl="1"/>
+            <a:endParaRPr lang="en-US" dirty="0"/>
+          </a:p>
+          <a:p>
+            <a:pPr lvl="1"/>
+            <a:endParaRPr lang="en-US" dirty="0"/>
+          </a:p>
+        </p:txBody>
+      </p:sp>
+      <p:sp>
+        <p:nvSpPr>
+          <p:cNvPr id="4" name="Slide Number Placeholder 3">
+            <a:extLst>
+              <a:ext uri="{FF2B5EF4-FFF2-40B4-BE49-F238E27FC236}">
+                <a16:creationId xmlns:a16="http://schemas.microsoft.com/office/drawing/2014/main" id="{6A2FF8D2-B2D6-1A46-ADC9-468631DDAADA}"/>
+              </a:ext>
+            </a:extLst>
+          </p:cNvPr>
+          <p:cNvSpPr>
+            <a:spLocks noGrp="1"/>
+          </p:cNvSpPr>
+          <p:nvPr>
+            <p:ph type="sldNum" sz="quarter" idx="11"/>
+          </p:nvPr>
+        </p:nvSpPr>
+        <p:spPr/>
+        <p:txBody>
+          <a:bodyPr/>
+          <a:lstStyle/>
+          <a:p>
+            <a:fld id="{6575370D-4E78-C44F-8DB3-41D140BF8DE9}" type="slidenum">
+              <a:rPr lang="en-US" smtClean="0"/>
+              <a:pPr/>
+              <a:t>4</a:t>
+            </a:fld>
+            <a:endParaRPr lang="en-US" dirty="0"/>
+          </a:p>
+        </p:txBody>
+      </p:sp>
+    </p:spTree>
+    <p:extLst>
+      <p:ext uri="{BB962C8B-B14F-4D97-AF65-F5344CB8AC3E}">
+        <p14:creationId xmlns:p14="http://schemas.microsoft.com/office/powerpoint/2010/main" val="821314820"/>
+      </p:ext>
+    </p:extLst>
+  </p:cSld>
+  <p:clrMapOvr>
+    <a:masterClrMapping/>
+  </p:clrMapOvr>
 </p:sld>
 </file>
 
@@ -45051,6 +44693,36 @@
           </a:p>
         </p:txBody>
       </p:sp>
+      <p:pic>
+        <p:nvPicPr>
+          <p:cNvPr id="13" name="Picture 12"/>
+          <p:cNvPicPr>
+            <a:picLocks noChangeAspect="1"/>
+          </p:cNvPicPr>
+          <p:nvPr/>
+        </p:nvPicPr>
+        <p:blipFill>
+          <a:blip r:embed="rId3">
+            <a:extLst>
+              <a:ext uri="{28A0092B-C50C-407E-A947-70E740481C1C}">
+                <a14:useLocalDpi xmlns:a14="http://schemas.microsoft.com/office/drawing/2010/main" val="0"/>
+              </a:ext>
+            </a:extLst>
+          </a:blip>
+          <a:stretch>
+            <a:fillRect/>
+          </a:stretch>
+        </p:blipFill>
+        <p:spPr>
+          <a:xfrm>
+            <a:off x="5452321" y="2724443"/>
+            <a:ext cx="3382190" cy="2251270"/>
+          </a:xfrm>
+          <a:prstGeom prst="rect">
+            <a:avLst/>
+          </a:prstGeom>
+        </p:spPr>
+      </p:pic>
       <p:sp>
         <p:nvSpPr>
           <p:cNvPr id="14" name="Rectangle 13"/>
@@ -45094,7 +44766,7 @@
     </p:spTree>
     <p:extLst>
       <p:ext uri="{BB962C8B-B14F-4D97-AF65-F5344CB8AC3E}">
-        <p14:creationId xmlns:p14="http://schemas.microsoft.com/office/powerpoint/2010/main" val="1228150542"/>
+        <p14:creationId xmlns:p14="http://schemas.microsoft.com/office/powerpoint/2010/main" val="1209883111"/>
       </p:ext>
     </p:extLst>
   </p:cSld>

--- a/ZeroDayAttack.pptx
+++ b/ZeroDayAttack.pptx
@@ -10953,6 +10953,17 @@
               <a:t>There is more work to do with Network Security</a:t>
             </a:r>
           </a:p>
+          <a:p>
+            <a:r>
+              <a:rPr lang="en-US" dirty="0"/>
+              <a:t>Ex – </a:t>
+            </a:r>
+            <a:r>
+              <a:rPr lang="en-US"/>
+              <a:t>SonarQube with no SSL</a:t>
+            </a:r>
+            <a:endParaRPr lang="en-US" dirty="0"/>
+          </a:p>
         </p:txBody>
       </p:sp>
       <p:sp>
@@ -12241,7 +12252,7 @@
           <a:graphicData uri="http://schemas.openxmlformats.org/presentationml/2006/ole">
             <mc:AlternateContent xmlns:mc="http://schemas.openxmlformats.org/markup-compatibility/2006">
               <mc:Choice xmlns:v="urn:schemas-microsoft-com:vml" Requires="v">
-                <p:oleObj spid="_x0000_s4268" name="think-cell Slide" r:id="rId4" imgW="408" imgH="408" progId="TCLayout.ActiveDocument.1">
+                <p:oleObj spid="_x0000_s4278" name="think-cell Slide" r:id="rId4" imgW="408" imgH="408" progId="TCLayout.ActiveDocument.1">
                   <p:embed/>
                 </p:oleObj>
               </mc:Choice>
@@ -12820,7 +12831,7 @@
           <a:graphicData uri="http://schemas.openxmlformats.org/presentationml/2006/ole">
             <mc:AlternateContent xmlns:mc="http://schemas.openxmlformats.org/markup-compatibility/2006">
               <mc:Choice xmlns:v="urn:schemas-microsoft-com:vml" Requires="v">
-                <p:oleObj spid="_x0000_s5293" name="think-cell Slide" r:id="rId4" imgW="408" imgH="408" progId="TCLayout.ActiveDocument.1">
+                <p:oleObj spid="_x0000_s5303" name="think-cell Slide" r:id="rId4" imgW="408" imgH="408" progId="TCLayout.ActiveDocument.1">
                   <p:embed/>
                 </p:oleObj>
               </mc:Choice>
@@ -13118,7 +13129,7 @@
           <a:graphicData uri="http://schemas.openxmlformats.org/presentationml/2006/ole">
             <mc:AlternateContent xmlns:mc="http://schemas.openxmlformats.org/markup-compatibility/2006">
               <mc:Choice xmlns:v="urn:schemas-microsoft-com:vml" Requires="v">
-                <p:oleObj spid="_x0000_s6318" name="think-cell Slide" r:id="rId4" imgW="408" imgH="408" progId="TCLayout.ActiveDocument.1">
+                <p:oleObj spid="_x0000_s6328" name="think-cell Slide" r:id="rId4" imgW="408" imgH="408" progId="TCLayout.ActiveDocument.1">
                   <p:embed/>
                 </p:oleObj>
               </mc:Choice>
@@ -13460,7 +13471,7 @@
           <a:graphicData uri="http://schemas.openxmlformats.org/presentationml/2006/ole">
             <mc:AlternateContent xmlns:mc="http://schemas.openxmlformats.org/markup-compatibility/2006">
               <mc:Choice xmlns:v="urn:schemas-microsoft-com:vml" Requires="v">
-                <p:oleObj spid="_x0000_s7340" name="think-cell Slide" r:id="rId4" imgW="408" imgH="408" progId="TCLayout.ActiveDocument.1">
+                <p:oleObj spid="_x0000_s7350" name="think-cell Slide" r:id="rId4" imgW="408" imgH="408" progId="TCLayout.ActiveDocument.1">
                   <p:embed/>
                 </p:oleObj>
               </mc:Choice>
@@ -13913,7 +13924,7 @@
           <a:graphicData uri="http://schemas.openxmlformats.org/presentationml/2006/ole">
             <mc:AlternateContent xmlns:mc="http://schemas.openxmlformats.org/markup-compatibility/2006">
               <mc:Choice xmlns:v="urn:schemas-microsoft-com:vml" Requires="v">
-                <p:oleObj spid="_x0000_s8364" name="think-cell Slide" r:id="rId4" imgW="408" imgH="408" progId="TCLayout.ActiveDocument.1">
+                <p:oleObj spid="_x0000_s8374" name="think-cell Slide" r:id="rId4" imgW="408" imgH="408" progId="TCLayout.ActiveDocument.1">
                   <p:embed/>
                 </p:oleObj>
               </mc:Choice>
@@ -23247,7 +23258,7 @@
           <a:graphicData uri="http://schemas.openxmlformats.org/presentationml/2006/ole">
             <mc:AlternateContent xmlns:mc="http://schemas.openxmlformats.org/markup-compatibility/2006">
               <mc:Choice xmlns:v="urn:schemas-microsoft-com:vml" Requires="v">
-                <p:oleObj spid="_x0000_s11434" name="think-cell Slide" r:id="rId4" imgW="408" imgH="408" progId="TCLayout.ActiveDocument.1">
+                <p:oleObj spid="_x0000_s11444" name="think-cell Slide" r:id="rId4" imgW="408" imgH="408" progId="TCLayout.ActiveDocument.1">
                   <p:embed/>
                 </p:oleObj>
               </mc:Choice>
@@ -29560,7 +29571,7 @@
           <a:graphicData uri="http://schemas.openxmlformats.org/presentationml/2006/ole">
             <mc:AlternateContent xmlns:mc="http://schemas.openxmlformats.org/markup-compatibility/2006">
               <mc:Choice xmlns:v="urn:schemas-microsoft-com:vml" Requires="v">
-                <p:oleObj spid="_x0000_s12422" name="think-cell Slide" r:id="rId4" imgW="408" imgH="408" progId="TCLayout.ActiveDocument.1">
+                <p:oleObj spid="_x0000_s12432" name="think-cell Slide" r:id="rId4" imgW="408" imgH="408" progId="TCLayout.ActiveDocument.1">
                   <p:embed/>
                 </p:oleObj>
               </mc:Choice>
@@ -30877,7 +30888,7 @@
           <a:graphicData uri="http://schemas.openxmlformats.org/presentationml/2006/ole">
             <mc:AlternateContent xmlns:mc="http://schemas.openxmlformats.org/markup-compatibility/2006">
               <mc:Choice xmlns:v="urn:schemas-microsoft-com:vml" Requires="v">
-                <p:oleObj spid="_x0000_s2221" name="think-cell Slide" r:id="rId4" imgW="408" imgH="408" progId="TCLayout.ActiveDocument.1">
+                <p:oleObj spid="_x0000_s2231" name="think-cell Slide" r:id="rId4" imgW="408" imgH="408" progId="TCLayout.ActiveDocument.1">
                   <p:embed/>
                 </p:oleObj>
               </mc:Choice>
@@ -31582,7 +31593,7 @@
           <a:graphicData uri="http://schemas.openxmlformats.org/presentationml/2006/ole">
             <mc:AlternateContent xmlns:mc="http://schemas.openxmlformats.org/markup-compatibility/2006">
               <mc:Choice xmlns:v="urn:schemas-microsoft-com:vml" Requires="v">
-                <p:oleObj spid="_x0000_s3245" name="think-cell Slide" r:id="rId4" imgW="408" imgH="408" progId="TCLayout.ActiveDocument.1">
+                <p:oleObj spid="_x0000_s3255" name="think-cell Slide" r:id="rId4" imgW="408" imgH="408" progId="TCLayout.ActiveDocument.1">
                   <p:embed/>
                 </p:oleObj>
               </mc:Choice>
@@ -31956,7 +31967,7 @@
           <a:graphicData uri="http://schemas.openxmlformats.org/presentationml/2006/ole">
             <mc:AlternateContent xmlns:mc="http://schemas.openxmlformats.org/markup-compatibility/2006">
               <mc:Choice xmlns:v="urn:schemas-microsoft-com:vml" Requires="v">
-                <p:oleObj spid="_x0000_s1202" name="think-cell Slide" r:id="rId51" imgW="408" imgH="408" progId="TCLayout.ActiveDocument.1">
+                <p:oleObj spid="_x0000_s1212" name="think-cell Slide" r:id="rId51" imgW="408" imgH="408" progId="TCLayout.ActiveDocument.1">
                   <p:embed/>
                 </p:oleObj>
               </mc:Choice>
@@ -42969,7 +42980,7 @@
         </p:nvSpPr>
         <p:spPr>
           <a:xfrm>
-            <a:off x="704088" y="1405890"/>
+            <a:off x="439394" y="1042155"/>
             <a:ext cx="7982712" cy="990801"/>
           </a:xfrm>
         </p:spPr>
@@ -43046,7 +43057,7 @@
         </p:nvSpPr>
         <p:spPr>
           <a:xfrm>
-            <a:off x="704088" y="3640776"/>
+            <a:off x="439394" y="2466586"/>
             <a:ext cx="7982712" cy="1300413"/>
           </a:xfrm>
           <a:prstGeom prst="rect">
@@ -43056,7 +43067,7 @@
         </p:spPr>
         <p:txBody>
           <a:bodyPr vert="horz" lIns="0" tIns="0" rIns="0" bIns="0" rtlCol="0">
-            <a:normAutofit/>
+            <a:normAutofit lnSpcReduction="10000"/>
           </a:bodyPr>
           <a:lstStyle>
             <a:lvl1pPr marL="257175" indent="-257175" algn="l" defTabSz="685800" rtl="0" eaLnBrk="1" latinLnBrk="0" hangingPunct="1">
@@ -43224,7 +43235,21 @@
                   <a:schemeClr val="accent1"/>
                 </a:solidFill>
               </a:rPr>
-              <a:t>Zero Trust – Assume the Attacker has already breached the Network</a:t>
+              <a:t>Zero Trust – Assume the Attacker </a:t>
+            </a:r>
+          </a:p>
+          <a:p>
+            <a:pPr marL="0" indent="0">
+              <a:buFont typeface="Arial" pitchFamily="34" charset="0"/>
+              <a:buNone/>
+            </a:pPr>
+            <a:r>
+              <a:rPr lang="en-US" sz="2000" dirty="0">
+                <a:solidFill>
+                  <a:schemeClr val="accent1"/>
+                </a:solidFill>
+              </a:rPr>
+              <a:t>has already breached the Network</a:t>
             </a:r>
           </a:p>
           <a:p>
@@ -43250,7 +43275,7 @@
         </p:nvSpPr>
         <p:spPr>
           <a:xfrm>
-            <a:off x="4295335" y="2650337"/>
+            <a:off x="3376362" y="1896800"/>
             <a:ext cx="800219" cy="646331"/>
           </a:xfrm>
           <a:prstGeom prst="rect">
@@ -43271,6 +43296,331 @@
                 </a:solidFill>
               </a:rPr>
               <a:t>VS</a:t>
+            </a:r>
+          </a:p>
+        </p:txBody>
+      </p:sp>
+      <p:sp>
+        <p:nvSpPr>
+          <p:cNvPr id="7" name="Oval 6">
+            <a:extLst>
+              <a:ext uri="{FF2B5EF4-FFF2-40B4-BE49-F238E27FC236}">
+                <a16:creationId xmlns:a16="http://schemas.microsoft.com/office/drawing/2014/main" id="{F619CBC1-04DE-7249-8B63-E09996696373}"/>
+              </a:ext>
+            </a:extLst>
+          </p:cNvPr>
+          <p:cNvSpPr/>
+          <p:nvPr/>
+        </p:nvSpPr>
+        <p:spPr>
+          <a:xfrm>
+            <a:off x="6168351" y="1213472"/>
+            <a:ext cx="2361077" cy="2362643"/>
+          </a:xfrm>
+          <a:prstGeom prst="ellipse">
+            <a:avLst/>
+          </a:prstGeom>
+          <a:solidFill>
+            <a:schemeClr val="accent2"/>
+          </a:solidFill>
+          <a:ln>
+            <a:solidFill>
+              <a:schemeClr val="tx1"/>
+            </a:solidFill>
+          </a:ln>
+        </p:spPr>
+        <p:style>
+          <a:lnRef idx="2">
+            <a:schemeClr val="accent1">
+              <a:shade val="50000"/>
+            </a:schemeClr>
+          </a:lnRef>
+          <a:fillRef idx="1">
+            <a:schemeClr val="accent1"/>
+          </a:fillRef>
+          <a:effectRef idx="0">
+            <a:schemeClr val="accent1"/>
+          </a:effectRef>
+          <a:fontRef idx="minor">
+            <a:schemeClr val="lt1"/>
+          </a:fontRef>
+        </p:style>
+        <p:txBody>
+          <a:bodyPr rtlCol="0" anchor="ctr"/>
+          <a:lstStyle/>
+          <a:p>
+            <a:pPr algn="ctr"/>
+            <a:endParaRPr lang="en-US" dirty="0" err="1"/>
+          </a:p>
+        </p:txBody>
+      </p:sp>
+      <p:sp>
+        <p:nvSpPr>
+          <p:cNvPr id="8" name="Oval 7">
+            <a:extLst>
+              <a:ext uri="{FF2B5EF4-FFF2-40B4-BE49-F238E27FC236}">
+                <a16:creationId xmlns:a16="http://schemas.microsoft.com/office/drawing/2014/main" id="{2EFDB92A-CBF0-9D40-909E-DD1642BBE9F7}"/>
+              </a:ext>
+            </a:extLst>
+          </p:cNvPr>
+          <p:cNvSpPr/>
+          <p:nvPr/>
+        </p:nvSpPr>
+        <p:spPr>
+          <a:xfrm>
+            <a:off x="6513897" y="1558710"/>
+            <a:ext cx="1669983" cy="1672165"/>
+          </a:xfrm>
+          <a:prstGeom prst="ellipse">
+            <a:avLst/>
+          </a:prstGeom>
+          <a:solidFill>
+            <a:schemeClr val="tx1">
+              <a:lumMod val="60000"/>
+              <a:lumOff val="40000"/>
+            </a:schemeClr>
+          </a:solidFill>
+          <a:ln>
+            <a:solidFill>
+              <a:schemeClr val="tx1"/>
+            </a:solidFill>
+          </a:ln>
+        </p:spPr>
+        <p:style>
+          <a:lnRef idx="2">
+            <a:schemeClr val="accent1">
+              <a:shade val="50000"/>
+            </a:schemeClr>
+          </a:lnRef>
+          <a:fillRef idx="1">
+            <a:schemeClr val="accent1"/>
+          </a:fillRef>
+          <a:effectRef idx="0">
+            <a:schemeClr val="accent1"/>
+          </a:effectRef>
+          <a:fontRef idx="minor">
+            <a:schemeClr val="lt1"/>
+          </a:fontRef>
+        </p:style>
+        <p:txBody>
+          <a:bodyPr rtlCol="0" anchor="ctr"/>
+          <a:lstStyle/>
+          <a:p>
+            <a:pPr algn="ctr"/>
+            <a:endParaRPr lang="en-US" dirty="0" err="1"/>
+          </a:p>
+        </p:txBody>
+      </p:sp>
+      <p:sp>
+        <p:nvSpPr>
+          <p:cNvPr id="9" name="Rectangle 8">
+            <a:extLst>
+              <a:ext uri="{FF2B5EF4-FFF2-40B4-BE49-F238E27FC236}">
+                <a16:creationId xmlns:a16="http://schemas.microsoft.com/office/drawing/2014/main" id="{E8ED8A09-B909-DE44-B09B-9105C61D3CDD}"/>
+              </a:ext>
+            </a:extLst>
+          </p:cNvPr>
+          <p:cNvSpPr/>
+          <p:nvPr/>
+        </p:nvSpPr>
+        <p:spPr>
+          <a:xfrm>
+            <a:off x="7138735" y="1940479"/>
+            <a:ext cx="847023" cy="243526"/>
+          </a:xfrm>
+          <a:prstGeom prst="rect">
+            <a:avLst/>
+          </a:prstGeom>
+          <a:solidFill>
+            <a:schemeClr val="accent1"/>
+          </a:solidFill>
+          <a:ln>
+            <a:solidFill>
+              <a:schemeClr val="tx1"/>
+            </a:solidFill>
+          </a:ln>
+        </p:spPr>
+        <p:style>
+          <a:lnRef idx="2">
+            <a:schemeClr val="accent1">
+              <a:shade val="50000"/>
+            </a:schemeClr>
+          </a:lnRef>
+          <a:fillRef idx="1">
+            <a:schemeClr val="accent1"/>
+          </a:fillRef>
+          <a:effectRef idx="0">
+            <a:schemeClr val="accent1"/>
+          </a:effectRef>
+          <a:fontRef idx="minor">
+            <a:schemeClr val="lt1"/>
+          </a:fontRef>
+        </p:style>
+        <p:txBody>
+          <a:bodyPr rtlCol="0" anchor="ctr"/>
+          <a:lstStyle/>
+          <a:p>
+            <a:pPr algn="ctr"/>
+            <a:r>
+              <a:rPr lang="en-US" dirty="0"/>
+              <a:t>App 1</a:t>
+            </a:r>
+          </a:p>
+        </p:txBody>
+      </p:sp>
+      <p:sp>
+        <p:nvSpPr>
+          <p:cNvPr id="10" name="Rectangle 9">
+            <a:extLst>
+              <a:ext uri="{FF2B5EF4-FFF2-40B4-BE49-F238E27FC236}">
+                <a16:creationId xmlns:a16="http://schemas.microsoft.com/office/drawing/2014/main" id="{6304022B-F080-5D45-9D73-BE93A5264EAE}"/>
+              </a:ext>
+            </a:extLst>
+          </p:cNvPr>
+          <p:cNvSpPr/>
+          <p:nvPr/>
+        </p:nvSpPr>
+        <p:spPr>
+          <a:xfrm>
+            <a:off x="7138735" y="2264615"/>
+            <a:ext cx="847023" cy="243526"/>
+          </a:xfrm>
+          <a:prstGeom prst="rect">
+            <a:avLst/>
+          </a:prstGeom>
+          <a:solidFill>
+            <a:schemeClr val="accent1"/>
+          </a:solidFill>
+          <a:ln>
+            <a:solidFill>
+              <a:schemeClr val="tx1"/>
+            </a:solidFill>
+          </a:ln>
+        </p:spPr>
+        <p:style>
+          <a:lnRef idx="2">
+            <a:schemeClr val="accent1">
+              <a:shade val="50000"/>
+            </a:schemeClr>
+          </a:lnRef>
+          <a:fillRef idx="1">
+            <a:schemeClr val="accent1"/>
+          </a:fillRef>
+          <a:effectRef idx="0">
+            <a:schemeClr val="accent1"/>
+          </a:effectRef>
+          <a:fontRef idx="minor">
+            <a:schemeClr val="lt1"/>
+          </a:fontRef>
+        </p:style>
+        <p:txBody>
+          <a:bodyPr rtlCol="0" anchor="ctr"/>
+          <a:lstStyle/>
+          <a:p>
+            <a:pPr algn="ctr"/>
+            <a:r>
+              <a:rPr lang="en-US" dirty="0"/>
+              <a:t>App 2</a:t>
+            </a:r>
+          </a:p>
+        </p:txBody>
+      </p:sp>
+      <p:sp>
+        <p:nvSpPr>
+          <p:cNvPr id="11" name="Rectangle 10">
+            <a:extLst>
+              <a:ext uri="{FF2B5EF4-FFF2-40B4-BE49-F238E27FC236}">
+                <a16:creationId xmlns:a16="http://schemas.microsoft.com/office/drawing/2014/main" id="{85168BC3-8E58-7040-8ECF-6109A10D7EC5}"/>
+              </a:ext>
+            </a:extLst>
+          </p:cNvPr>
+          <p:cNvSpPr/>
+          <p:nvPr/>
+        </p:nvSpPr>
+        <p:spPr>
+          <a:xfrm>
+            <a:off x="7138736" y="2588751"/>
+            <a:ext cx="847023" cy="243526"/>
+          </a:xfrm>
+          <a:prstGeom prst="rect">
+            <a:avLst/>
+          </a:prstGeom>
+          <a:solidFill>
+            <a:schemeClr val="accent1"/>
+          </a:solidFill>
+          <a:ln>
+            <a:solidFill>
+              <a:schemeClr val="tx1">
+                <a:lumMod val="50000"/>
+              </a:schemeClr>
+            </a:solidFill>
+          </a:ln>
+        </p:spPr>
+        <p:style>
+          <a:lnRef idx="2">
+            <a:schemeClr val="accent1">
+              <a:shade val="50000"/>
+            </a:schemeClr>
+          </a:lnRef>
+          <a:fillRef idx="1">
+            <a:schemeClr val="accent1"/>
+          </a:fillRef>
+          <a:effectRef idx="0">
+            <a:schemeClr val="accent1"/>
+          </a:effectRef>
+          <a:fontRef idx="minor">
+            <a:schemeClr val="lt1"/>
+          </a:fontRef>
+        </p:style>
+        <p:txBody>
+          <a:bodyPr rtlCol="0" anchor="ctr"/>
+          <a:lstStyle/>
+          <a:p>
+            <a:pPr algn="ctr"/>
+            <a:r>
+              <a:rPr lang="en-US" dirty="0"/>
+              <a:t>App 3</a:t>
+            </a:r>
+          </a:p>
+        </p:txBody>
+      </p:sp>
+      <p:sp>
+        <p:nvSpPr>
+          <p:cNvPr id="12" name="TextBox 11">
+            <a:extLst>
+              <a:ext uri="{FF2B5EF4-FFF2-40B4-BE49-F238E27FC236}">
+                <a16:creationId xmlns:a16="http://schemas.microsoft.com/office/drawing/2014/main" id="{4363B6B0-CCEF-6A40-979A-A2DE7DD31FE0}"/>
+              </a:ext>
+            </a:extLst>
+          </p:cNvPr>
+          <p:cNvSpPr txBox="1"/>
+          <p:nvPr/>
+        </p:nvSpPr>
+        <p:spPr>
+          <a:xfrm>
+            <a:off x="7008037" y="1281711"/>
+            <a:ext cx="681702" cy="276999"/>
+          </a:xfrm>
+          <a:prstGeom prst="rect">
+            <a:avLst/>
+          </a:prstGeom>
+          <a:solidFill>
+            <a:schemeClr val="accent2"/>
+          </a:solidFill>
+        </p:spPr>
+        <p:txBody>
+          <a:bodyPr wrap="square" rtlCol="0">
+            <a:spAutoFit/>
+          </a:bodyPr>
+          <a:lstStyle/>
+          <a:p>
+            <a:r>
+              <a:rPr lang="en-US" sz="1200" dirty="0">
+                <a:solidFill>
+                  <a:schemeClr val="bg1"/>
+                </a:solidFill>
+              </a:rPr>
+              <a:t>firewall</a:t>
             </a:r>
           </a:p>
         </p:txBody>
